--- a/DIC.pptx
+++ b/DIC.pptx
@@ -23,10 +23,10 @@
     <p:sldId id="289" r:id="rId17"/>
     <p:sldId id="257" r:id="rId18"/>
     <p:sldId id="258" r:id="rId19"/>
-    <p:sldId id="263" r:id="rId20"/>
-    <p:sldId id="259" r:id="rId21"/>
-    <p:sldId id="260" r:id="rId22"/>
-    <p:sldId id="261" r:id="rId23"/>
+    <p:sldId id="259" r:id="rId20"/>
+    <p:sldId id="260" r:id="rId21"/>
+    <p:sldId id="261" r:id="rId22"/>
+    <p:sldId id="263" r:id="rId23"/>
     <p:sldId id="262" r:id="rId24"/>
     <p:sldId id="311" r:id="rId25"/>
     <p:sldId id="264" r:id="rId26"/>
@@ -44,9 +44,9 @@
     <p:sldId id="275" r:id="rId38"/>
     <p:sldId id="276" r:id="rId39"/>
     <p:sldId id="277" r:id="rId40"/>
-    <p:sldId id="280" r:id="rId41"/>
-    <p:sldId id="282" r:id="rId42"/>
-    <p:sldId id="312" r:id="rId43"/>
+    <p:sldId id="282" r:id="rId41"/>
+    <p:sldId id="312" r:id="rId42"/>
+    <p:sldId id="280" r:id="rId43"/>
   </p:sldIdLst>
   <p:sldSz cx="9144000" cy="6858000" type="screen4x3"/>
   <p:notesSz cx="6858000" cy="9144000"/>
@@ -343,7 +343,7 @@
           <a:p>
             <a:fld id="{89460B7A-C7E7-4F57-9E9C-3F576050EF81}" type="datetimeFigureOut">
               <a:rPr lang="pt-BR" smtClean="0"/>
-              <a:t>19/01/2024</a:t>
+              <a:t>29/01/2024</a:t>
             </a:fld>
             <a:endParaRPr lang="pt-BR"/>
           </a:p>
@@ -511,7 +511,7 @@
           <a:p>
             <a:fld id="{89460B7A-C7E7-4F57-9E9C-3F576050EF81}" type="datetimeFigureOut">
               <a:rPr lang="pt-BR" smtClean="0"/>
-              <a:t>19/01/2024</a:t>
+              <a:t>29/01/2024</a:t>
             </a:fld>
             <a:endParaRPr lang="pt-BR"/>
           </a:p>
@@ -689,7 +689,7 @@
           <a:p>
             <a:fld id="{89460B7A-C7E7-4F57-9E9C-3F576050EF81}" type="datetimeFigureOut">
               <a:rPr lang="pt-BR" smtClean="0"/>
-              <a:t>19/01/2024</a:t>
+              <a:t>29/01/2024</a:t>
             </a:fld>
             <a:endParaRPr lang="pt-BR"/>
           </a:p>
@@ -857,7 +857,7 @@
           <a:p>
             <a:fld id="{89460B7A-C7E7-4F57-9E9C-3F576050EF81}" type="datetimeFigureOut">
               <a:rPr lang="pt-BR" smtClean="0"/>
-              <a:t>19/01/2024</a:t>
+              <a:t>29/01/2024</a:t>
             </a:fld>
             <a:endParaRPr lang="pt-BR"/>
           </a:p>
@@ -1102,7 +1102,7 @@
           <a:p>
             <a:fld id="{89460B7A-C7E7-4F57-9E9C-3F576050EF81}" type="datetimeFigureOut">
               <a:rPr lang="pt-BR" smtClean="0"/>
-              <a:t>19/01/2024</a:t>
+              <a:t>29/01/2024</a:t>
             </a:fld>
             <a:endParaRPr lang="pt-BR"/>
           </a:p>
@@ -1387,7 +1387,7 @@
           <a:p>
             <a:fld id="{89460B7A-C7E7-4F57-9E9C-3F576050EF81}" type="datetimeFigureOut">
               <a:rPr lang="pt-BR" smtClean="0"/>
-              <a:t>19/01/2024</a:t>
+              <a:t>29/01/2024</a:t>
             </a:fld>
             <a:endParaRPr lang="pt-BR"/>
           </a:p>
@@ -1806,7 +1806,7 @@
           <a:p>
             <a:fld id="{89460B7A-C7E7-4F57-9E9C-3F576050EF81}" type="datetimeFigureOut">
               <a:rPr lang="pt-BR" smtClean="0"/>
-              <a:t>19/01/2024</a:t>
+              <a:t>29/01/2024</a:t>
             </a:fld>
             <a:endParaRPr lang="pt-BR"/>
           </a:p>
@@ -1923,7 +1923,7 @@
           <a:p>
             <a:fld id="{89460B7A-C7E7-4F57-9E9C-3F576050EF81}" type="datetimeFigureOut">
               <a:rPr lang="pt-BR" smtClean="0"/>
-              <a:t>19/01/2024</a:t>
+              <a:t>29/01/2024</a:t>
             </a:fld>
             <a:endParaRPr lang="pt-BR"/>
           </a:p>
@@ -2018,7 +2018,7 @@
           <a:p>
             <a:fld id="{89460B7A-C7E7-4F57-9E9C-3F576050EF81}" type="datetimeFigureOut">
               <a:rPr lang="pt-BR" smtClean="0"/>
-              <a:t>19/01/2024</a:t>
+              <a:t>29/01/2024</a:t>
             </a:fld>
             <a:endParaRPr lang="pt-BR"/>
           </a:p>
@@ -2293,7 +2293,7 @@
           <a:p>
             <a:fld id="{89460B7A-C7E7-4F57-9E9C-3F576050EF81}" type="datetimeFigureOut">
               <a:rPr lang="pt-BR" smtClean="0"/>
-              <a:t>19/01/2024</a:t>
+              <a:t>29/01/2024</a:t>
             </a:fld>
             <a:endParaRPr lang="pt-BR"/>
           </a:p>
@@ -2545,7 +2545,7 @@
           <a:p>
             <a:fld id="{89460B7A-C7E7-4F57-9E9C-3F576050EF81}" type="datetimeFigureOut">
               <a:rPr lang="pt-BR" smtClean="0"/>
-              <a:t>19/01/2024</a:t>
+              <a:t>29/01/2024</a:t>
             </a:fld>
             <a:endParaRPr lang="pt-BR"/>
           </a:p>
@@ -2756,7 +2756,7 @@
           <a:p>
             <a:fld id="{89460B7A-C7E7-4F57-9E9C-3F576050EF81}" type="datetimeFigureOut">
               <a:rPr lang="pt-BR" smtClean="0"/>
-              <a:t>19/01/2024</a:t>
+              <a:t>29/01/2024</a:t>
             </a:fld>
             <a:endParaRPr lang="pt-BR"/>
           </a:p>
@@ -4464,16 +4464,44 @@
           <a:p>
             <a:pPr algn="just"/>
             <a:r>
-              <a:rPr lang="pt-BR" dirty="0"/>
-              <a:t>É o mais simples de todos os delineamentos experimentais, e os experimentos instalados de acordo com este delineamento são chamados de experimentos inteiramente </a:t>
+              <a:rPr lang="pt-BR" dirty="0">
+                <a:solidFill>
+                  <a:srgbClr val="FF0000"/>
+                </a:solidFill>
+              </a:rPr>
+              <a:t>É o mais simples de todos os delineamentos experimentais</a:t>
             </a:r>
             <a:r>
-              <a:rPr lang="pt-BR" dirty="0" err="1"/>
+              <a:rPr lang="pt-BR" dirty="0"/>
+              <a:t>, e os experimentos instalados de acordo com este delineamento são chamados de </a:t>
+            </a:r>
+            <a:r>
+              <a:rPr lang="pt-BR" dirty="0">
+                <a:solidFill>
+                  <a:srgbClr val="FF0000"/>
+                </a:solidFill>
+              </a:rPr>
+              <a:t>experimentos inteiramente </a:t>
+            </a:r>
+            <a:r>
+              <a:rPr lang="pt-BR" dirty="0" err="1">
+                <a:solidFill>
+                  <a:srgbClr val="FF0000"/>
+                </a:solidFill>
+              </a:rPr>
               <a:t>casualizados</a:t>
             </a:r>
             <a:r>
+              <a:rPr lang="pt-BR" dirty="0">
+                <a:solidFill>
+                  <a:srgbClr val="FF0000"/>
+                </a:solidFill>
+              </a:rPr>
+              <a:t> ou experimentos inteiramente ao acaso</a:t>
+            </a:r>
+            <a:r>
               <a:rPr lang="pt-BR" dirty="0"/>
-              <a:t> ou experimentos inteiramente ao acaso;</a:t>
+              <a:t>;</a:t>
             </a:r>
           </a:p>
           <a:p>
@@ -4484,7 +4512,19 @@
             <a:pPr algn="just"/>
             <a:r>
               <a:rPr lang="pt-BR" dirty="0"/>
-              <a:t>Utiliza-se dos princípios  básicos da casualização e repetição;</a:t>
+              <a:t>Utiliza-se dos princípios  básicos da </a:t>
+            </a:r>
+            <a:r>
+              <a:rPr lang="pt-BR" dirty="0">
+                <a:solidFill>
+                  <a:srgbClr val="FF0000"/>
+                </a:solidFill>
+              </a:rPr>
+              <a:t>casualização e repetição</a:t>
+            </a:r>
+            <a:r>
+              <a:rPr lang="pt-BR" dirty="0"/>
+              <a:t>;</a:t>
             </a:r>
           </a:p>
           <a:p>
@@ -4497,7 +4537,19 @@
             <a:pPr algn="just"/>
             <a:r>
               <a:rPr lang="pt-BR" dirty="0"/>
-              <a:t>Utilizado quando as condições do local de instalação do experimento são consideradas homogêneas;</a:t>
+              <a:t>Utilizado quando as condições do local de instalação do experimento são consideradas </a:t>
+            </a:r>
+            <a:r>
+              <a:rPr lang="pt-BR" dirty="0">
+                <a:solidFill>
+                  <a:srgbClr val="FF0000"/>
+                </a:solidFill>
+              </a:rPr>
+              <a:t>homogêneas</a:t>
+            </a:r>
+            <a:r>
+              <a:rPr lang="pt-BR" dirty="0"/>
+              <a:t>;</a:t>
             </a:r>
           </a:p>
           <a:p>
@@ -4668,17 +4720,40 @@
         </p:nvSpPr>
         <p:spPr>
           <a:xfrm>
-            <a:off x="457200" y="1600201"/>
-            <a:ext cx="8229600" cy="748680"/>
+            <a:off x="251520" y="1600200"/>
+            <a:ext cx="8712968" cy="4525963"/>
           </a:xfrm>
         </p:spPr>
         <p:txBody>
-          <a:bodyPr/>
+          <a:bodyPr>
+            <a:normAutofit lnSpcReduction="10000"/>
+          </a:bodyPr>
           <a:lstStyle/>
           <a:p>
+            <a:pPr algn="just"/>
             <a:r>
               <a:rPr lang="pt-BR" dirty="0"/>
-              <a:t>Modelo matemático</a:t>
+              <a:t>Exemplo: Supomos que estamos planejando um experimento de competição de inseticidas para o controle da mosca-branca-do-feijoeiro, com 5 tratamentos (4 inseticidas e uma </a:t>
+            </a:r>
+            <a:r>
+              <a:rPr lang="pt-BR" dirty="0">
+                <a:solidFill>
+                  <a:srgbClr val="FF0000"/>
+                </a:solidFill>
+              </a:rPr>
+              <a:t>testemunha</a:t>
+            </a:r>
+            <a:r>
+              <a:rPr lang="pt-BR" dirty="0"/>
+              <a:t>), representados por A, B, C, D, E, com 5 repetições, no delineamento inteiramente </a:t>
+            </a:r>
+            <a:r>
+              <a:rPr lang="pt-BR" dirty="0" err="1"/>
+              <a:t>casualizado</a:t>
+            </a:r>
+            <a:r>
+              <a:rPr lang="pt-BR" dirty="0"/>
+              <a:t>. Para procedermos com a casualização dos tratamentos, devemos numerar as parcelas de 1 a 25 e colocar as repetições de cada tratamento em sequência:</a:t>
             </a:r>
           </a:p>
         </p:txBody>
@@ -4720,604 +4795,10 @@
           </a:p>
         </p:txBody>
       </p:sp>
-      <mc:AlternateContent xmlns:mc="http://schemas.openxmlformats.org/markup-compatibility/2006" xmlns:a14="http://schemas.microsoft.com/office/drawing/2010/main">
-        <mc:Choice Requires="a14">
-          <p:sp>
-            <p:nvSpPr>
-              <p:cNvPr id="5" name="CaixaDeTexto 4"/>
-              <p:cNvSpPr txBox="1"/>
-              <p:nvPr/>
-            </p:nvSpPr>
-            <p:spPr>
-              <a:xfrm>
-                <a:off x="827584" y="2348880"/>
-                <a:ext cx="5400600" cy="690895"/>
-              </a:xfrm>
-              <a:prstGeom prst="rect">
-                <a:avLst/>
-              </a:prstGeom>
-              <a:noFill/>
-            </p:spPr>
-            <p:txBody>
-              <a:bodyPr wrap="square" rtlCol="0">
-                <a:spAutoFit/>
-              </a:bodyPr>
-              <a:lstStyle/>
-              <a:p>
-                <a:pPr/>
-                <a14:m>
-                  <m:oMathPara xmlns:m="http://schemas.openxmlformats.org/officeDocument/2006/math">
-                    <m:oMathParaPr>
-                      <m:jc m:val="centerGroup"/>
-                    </m:oMathParaPr>
-                    <m:oMath xmlns:m="http://schemas.openxmlformats.org/officeDocument/2006/math">
-                      <m:sSub>
-                        <m:sSubPr>
-                          <m:ctrlPr>
-                            <a:rPr lang="pt-BR" sz="3600" i="1" smtClean="0">
-                              <a:latin typeface="Cambria Math" panose="02040503050406030204" pitchFamily="18" charset="0"/>
-                            </a:rPr>
-                          </m:ctrlPr>
-                        </m:sSubPr>
-                        <m:e>
-                          <m:r>
-                            <a:rPr lang="pt-BR" sz="3600" b="0" i="1" smtClean="0">
-                              <a:latin typeface="Cambria Math"/>
-                            </a:rPr>
-                            <m:t>𝑦</m:t>
-                          </m:r>
-                        </m:e>
-                        <m:sub>
-                          <m:r>
-                            <a:rPr lang="pt-BR" sz="3600" b="0" i="1" smtClean="0">
-                              <a:latin typeface="Cambria Math"/>
-                            </a:rPr>
-                            <m:t>𝑖𝑗</m:t>
-                          </m:r>
-                        </m:sub>
-                      </m:sSub>
-                      <m:r>
-                        <a:rPr lang="pt-BR" sz="3600" b="0" i="1" smtClean="0">
-                          <a:latin typeface="Cambria Math"/>
-                        </a:rPr>
-                        <m:t>=</m:t>
-                      </m:r>
-                      <m:r>
-                        <a:rPr lang="pt-BR" sz="3600" b="0" i="1" smtClean="0">
-                          <a:latin typeface="Cambria Math"/>
-                          <a:ea typeface="Cambria Math"/>
-                        </a:rPr>
-                        <m:t>𝜇</m:t>
-                      </m:r>
-                      <m:r>
-                        <a:rPr lang="pt-BR" sz="3600" b="0" i="1" smtClean="0">
-                          <a:latin typeface="Cambria Math"/>
-                          <a:ea typeface="Cambria Math"/>
-                        </a:rPr>
-                        <m:t>+</m:t>
-                      </m:r>
-                      <m:sSub>
-                        <m:sSubPr>
-                          <m:ctrlPr>
-                            <a:rPr lang="pt-BR" sz="3600" b="0" i="1" smtClean="0">
-                              <a:latin typeface="Cambria Math" panose="02040503050406030204" pitchFamily="18" charset="0"/>
-                              <a:ea typeface="Cambria Math"/>
-                            </a:rPr>
-                          </m:ctrlPr>
-                        </m:sSubPr>
-                        <m:e>
-                          <m:r>
-                            <a:rPr lang="pt-BR" sz="3600" b="0" i="1" smtClean="0">
-                              <a:latin typeface="Cambria Math"/>
-                              <a:ea typeface="Cambria Math"/>
-                            </a:rPr>
-                            <m:t>𝜏</m:t>
-                          </m:r>
-                        </m:e>
-                        <m:sub>
-                          <m:r>
-                            <a:rPr lang="pt-BR" sz="3600" b="0" i="1" smtClean="0">
-                              <a:latin typeface="Cambria Math"/>
-                              <a:ea typeface="Cambria Math"/>
-                            </a:rPr>
-                            <m:t>𝑖</m:t>
-                          </m:r>
-                        </m:sub>
-                      </m:sSub>
-                      <m:r>
-                        <a:rPr lang="pt-BR" sz="3600" b="0" i="1" smtClean="0">
-                          <a:latin typeface="Cambria Math"/>
-                          <a:ea typeface="Cambria Math"/>
-                        </a:rPr>
-                        <m:t>+</m:t>
-                      </m:r>
-                      <m:sSub>
-                        <m:sSubPr>
-                          <m:ctrlPr>
-                            <a:rPr lang="pt-BR" sz="3600" b="0" i="1" smtClean="0">
-                              <a:latin typeface="Cambria Math" panose="02040503050406030204" pitchFamily="18" charset="0"/>
-                              <a:ea typeface="Cambria Math"/>
-                            </a:rPr>
-                          </m:ctrlPr>
-                        </m:sSubPr>
-                        <m:e>
-                          <m:r>
-                            <a:rPr lang="pt-BR" sz="3600" b="0" i="1" smtClean="0">
-                              <a:latin typeface="Cambria Math"/>
-                              <a:ea typeface="Cambria Math"/>
-                            </a:rPr>
-                            <m:t>𝜀</m:t>
-                          </m:r>
-                        </m:e>
-                        <m:sub>
-                          <m:r>
-                            <a:rPr lang="pt-BR" sz="3600" b="0" i="1" smtClean="0">
-                              <a:latin typeface="Cambria Math"/>
-                              <a:ea typeface="Cambria Math"/>
-                            </a:rPr>
-                            <m:t>𝑖𝑗</m:t>
-                          </m:r>
-                        </m:sub>
-                      </m:sSub>
-                    </m:oMath>
-                  </m:oMathPara>
-                </a14:m>
-                <a:endParaRPr lang="pt-BR" sz="3600" dirty="0"/>
-              </a:p>
-            </p:txBody>
-          </p:sp>
-        </mc:Choice>
-        <mc:Fallback xmlns="">
-          <p:sp>
-            <p:nvSpPr>
-              <p:cNvPr id="5" name="CaixaDeTexto 4"/>
-              <p:cNvSpPr txBox="1">
-                <a:spLocks noRot="1" noChangeAspect="1" noMove="1" noResize="1" noEditPoints="1" noAdjustHandles="1" noChangeArrowheads="1" noChangeShapeType="1" noTextEdit="1"/>
-              </p:cNvSpPr>
-              <p:nvPr/>
-            </p:nvSpPr>
-            <p:spPr>
-              <a:xfrm>
-                <a:off x="827584" y="2348880"/>
-                <a:ext cx="5400600" cy="690895"/>
-              </a:xfrm>
-              <a:prstGeom prst="rect">
-                <a:avLst/>
-              </a:prstGeom>
-              <a:blipFill rotWithShape="1">
-                <a:blip r:embed="rId2"/>
-                <a:stretch>
-                  <a:fillRect/>
-                </a:stretch>
-              </a:blipFill>
-            </p:spPr>
-            <p:txBody>
-              <a:bodyPr/>
-              <a:lstStyle/>
-              <a:p>
-                <a:r>
-                  <a:rPr lang="pt-BR">
-                    <a:noFill/>
-                  </a:rPr>
-                  <a:t> </a:t>
-                </a:r>
-              </a:p>
-            </p:txBody>
-          </p:sp>
-        </mc:Fallback>
-      </mc:AlternateContent>
-      <mc:AlternateContent xmlns:mc="http://schemas.openxmlformats.org/markup-compatibility/2006" xmlns:a14="http://schemas.microsoft.com/office/drawing/2010/main">
-        <mc:Choice Requires="a14">
-          <p:sp>
-            <p:nvSpPr>
-              <p:cNvPr id="6" name="CaixaDeTexto 5"/>
-              <p:cNvSpPr txBox="1"/>
-              <p:nvPr/>
-            </p:nvSpPr>
-            <p:spPr>
-              <a:xfrm>
-                <a:off x="539552" y="3356992"/>
-                <a:ext cx="8064896" cy="3106491"/>
-              </a:xfrm>
-              <a:prstGeom prst="rect">
-                <a:avLst/>
-              </a:prstGeom>
-              <a:noFill/>
-            </p:spPr>
-            <p:txBody>
-              <a:bodyPr wrap="square" rtlCol="0">
-                <a:spAutoFit/>
-              </a:bodyPr>
-              <a:lstStyle/>
-              <a:p>
-                <a:r>
-                  <a:rPr lang="pt-BR" sz="2400" dirty="0"/>
-                  <a:t>Em que:</a:t>
-                </a:r>
-              </a:p>
-              <a:p>
-                <a:pPr marL="285750" indent="-285750">
-                  <a:buFont typeface="Arial" pitchFamily="34" charset="0"/>
-                  <a:buChar char="•"/>
-                </a:pPr>
-                <a14:m>
-                  <m:oMath xmlns:m="http://schemas.openxmlformats.org/officeDocument/2006/math">
-                    <m:sSub>
-                      <m:sSubPr>
-                        <m:ctrlPr>
-                          <a:rPr lang="pt-BR" sz="2400" i="1">
-                            <a:latin typeface="Cambria Math" panose="02040503050406030204" pitchFamily="18" charset="0"/>
-                          </a:rPr>
-                        </m:ctrlPr>
-                      </m:sSubPr>
-                      <m:e>
-                        <m:r>
-                          <a:rPr lang="pt-BR" sz="2400" i="1">
-                            <a:latin typeface="Cambria Math"/>
-                          </a:rPr>
-                          <m:t>𝑦</m:t>
-                        </m:r>
-                      </m:e>
-                      <m:sub>
-                        <m:r>
-                          <a:rPr lang="pt-BR" sz="2400" i="1">
-                            <a:latin typeface="Cambria Math"/>
-                          </a:rPr>
-                          <m:t>𝑖𝑗</m:t>
-                        </m:r>
-                      </m:sub>
-                    </m:sSub>
-                  </m:oMath>
-                </a14:m>
-                <a:r>
-                  <a:rPr lang="pt-BR" sz="2400" dirty="0"/>
-                  <a:t>: valor observado na parcela que recebeu o tratamento </a:t>
-                </a:r>
-                <a14:m>
-                  <m:oMath xmlns:m="http://schemas.openxmlformats.org/officeDocument/2006/math">
-                    <m:r>
-                      <a:rPr lang="pt-BR" sz="2400" b="1" i="1" smtClean="0">
-                        <a:latin typeface="Cambria Math"/>
-                      </a:rPr>
-                      <m:t>𝒊</m:t>
-                    </m:r>
-                  </m:oMath>
-                </a14:m>
-                <a:r>
-                  <a:rPr lang="pt-BR" sz="2400" b="1" dirty="0"/>
-                  <a:t> </a:t>
-                </a:r>
-                <a:r>
-                  <a:rPr lang="pt-BR" sz="2400" dirty="0"/>
-                  <a:t>na repetição </a:t>
-                </a:r>
-                <a14:m>
-                  <m:oMath xmlns:m="http://schemas.openxmlformats.org/officeDocument/2006/math">
-                    <m:r>
-                      <a:rPr lang="pt-BR" sz="2400" b="1" i="1" smtClean="0">
-                        <a:latin typeface="Cambria Math"/>
-                      </a:rPr>
-                      <m:t>𝒋</m:t>
-                    </m:r>
-                  </m:oMath>
-                </a14:m>
-                <a:r>
-                  <a:rPr lang="pt-BR" sz="2400" b="1" dirty="0"/>
-                  <a:t> </a:t>
-                </a:r>
-                <a:r>
-                  <a:rPr lang="pt-BR" sz="2400" dirty="0"/>
-                  <a:t>;</a:t>
-                </a:r>
-              </a:p>
-              <a:p>
-                <a:pPr marL="285750" indent="-285750">
-                  <a:buFont typeface="Arial" pitchFamily="34" charset="0"/>
-                  <a:buChar char="•"/>
-                </a:pPr>
-                <a14:m>
-                  <m:oMath xmlns:m="http://schemas.openxmlformats.org/officeDocument/2006/math">
-                    <m:r>
-                      <a:rPr lang="pt-BR" sz="2400" i="1" smtClean="0">
-                        <a:latin typeface="Cambria Math"/>
-                        <a:ea typeface="Cambria Math"/>
-                      </a:rPr>
-                      <m:t>𝜇</m:t>
-                    </m:r>
-                  </m:oMath>
-                </a14:m>
-                <a:r>
-                  <a:rPr lang="pt-BR" sz="2400" dirty="0"/>
-                  <a:t>: média populacional;</a:t>
-                </a:r>
-              </a:p>
-              <a:p>
-                <a:pPr marL="285750" indent="-285750">
-                  <a:buFont typeface="Arial" pitchFamily="34" charset="0"/>
-                  <a:buChar char="•"/>
-                </a:pPr>
-                <a14:m>
-                  <m:oMath xmlns:m="http://schemas.openxmlformats.org/officeDocument/2006/math">
-                    <m:sSub>
-                      <m:sSubPr>
-                        <m:ctrlPr>
-                          <a:rPr lang="pt-BR" sz="2400" i="1" smtClean="0">
-                            <a:latin typeface="Cambria Math" panose="02040503050406030204" pitchFamily="18" charset="0"/>
-                          </a:rPr>
-                        </m:ctrlPr>
-                      </m:sSubPr>
-                      <m:e>
-                        <m:r>
-                          <a:rPr lang="pt-BR" sz="2400" i="1" smtClean="0">
-                            <a:latin typeface="Cambria Math"/>
-                            <a:ea typeface="Cambria Math"/>
-                          </a:rPr>
-                          <m:t>𝜏</m:t>
-                        </m:r>
-                      </m:e>
-                      <m:sub>
-                        <m:r>
-                          <a:rPr lang="pt-BR" sz="2400" b="0" i="1" smtClean="0">
-                            <a:latin typeface="Cambria Math"/>
-                          </a:rPr>
-                          <m:t>𝑖</m:t>
-                        </m:r>
-                      </m:sub>
-                    </m:sSub>
-                  </m:oMath>
-                </a14:m>
-                <a:r>
-                  <a:rPr lang="pt-BR" sz="2400" dirty="0"/>
-                  <a:t>: efeito do tratamento </a:t>
-                </a:r>
-                <a14:m>
-                  <m:oMath xmlns:m="http://schemas.openxmlformats.org/officeDocument/2006/math">
-                    <m:r>
-                      <a:rPr lang="pt-BR" sz="2400" b="1" i="1">
-                        <a:latin typeface="Cambria Math"/>
-                      </a:rPr>
-                      <m:t>𝒊</m:t>
-                    </m:r>
-                  </m:oMath>
-                </a14:m>
-                <a:r>
-                  <a:rPr lang="pt-BR" sz="2400" b="1" dirty="0"/>
-                  <a:t> </a:t>
-                </a:r>
-                <a:r>
-                  <a:rPr lang="pt-BR" sz="2400" dirty="0"/>
-                  <a:t> aplicado na parcela;</a:t>
-                </a:r>
-              </a:p>
-              <a:p>
-                <a:pPr marL="285750" indent="-285750">
-                  <a:buFont typeface="Arial" pitchFamily="34" charset="0"/>
-                  <a:buChar char="•"/>
-                </a:pPr>
-                <a14:m>
-                  <m:oMath xmlns:m="http://schemas.openxmlformats.org/officeDocument/2006/math">
-                    <m:sSub>
-                      <m:sSubPr>
-                        <m:ctrlPr>
-                          <a:rPr lang="pt-BR" sz="2400" i="1">
-                            <a:latin typeface="Cambria Math" panose="02040503050406030204" pitchFamily="18" charset="0"/>
-                            <a:ea typeface="Cambria Math"/>
-                          </a:rPr>
-                        </m:ctrlPr>
-                      </m:sSubPr>
-                      <m:e>
-                        <m:r>
-                          <a:rPr lang="pt-BR" sz="2400" i="1">
-                            <a:latin typeface="Cambria Math"/>
-                            <a:ea typeface="Cambria Math"/>
-                          </a:rPr>
-                          <m:t>𝜀</m:t>
-                        </m:r>
-                      </m:e>
-                      <m:sub>
-                        <m:r>
-                          <a:rPr lang="pt-BR" sz="2400" i="1">
-                            <a:latin typeface="Cambria Math"/>
-                            <a:ea typeface="Cambria Math"/>
-                          </a:rPr>
-                          <m:t>𝑖𝑗</m:t>
-                        </m:r>
-                      </m:sub>
-                    </m:sSub>
-                  </m:oMath>
-                </a14:m>
-                <a:r>
-                  <a:rPr lang="pt-BR" sz="2400" dirty="0"/>
-                  <a:t>: efeito dos fatores não controlados na parcela.</a:t>
-                </a:r>
-              </a:p>
-              <a:p>
-                <a:pPr marL="285750" indent="-285750">
-                  <a:buFont typeface="Arial" pitchFamily="34" charset="0"/>
-                  <a:buChar char="•"/>
-                </a:pPr>
-                <a:endParaRPr lang="pt-BR" sz="2400" dirty="0"/>
-              </a:p>
-              <a:p>
-                <a:pPr marL="285750" indent="-285750">
-                  <a:buFont typeface="Arial" pitchFamily="34" charset="0"/>
-                  <a:buChar char="•"/>
-                </a:pPr>
-                <a:endParaRPr lang="pt-BR" sz="2400" dirty="0"/>
-              </a:p>
-            </p:txBody>
-          </p:sp>
-        </mc:Choice>
-        <mc:Fallback xmlns="">
-          <p:sp>
-            <p:nvSpPr>
-              <p:cNvPr id="6" name="CaixaDeTexto 5"/>
-              <p:cNvSpPr txBox="1">
-                <a:spLocks noRot="1" noChangeAspect="1" noMove="1" noResize="1" noEditPoints="1" noAdjustHandles="1" noChangeArrowheads="1" noChangeShapeType="1" noTextEdit="1"/>
-              </p:cNvSpPr>
-              <p:nvPr/>
-            </p:nvSpPr>
-            <p:spPr>
-              <a:xfrm>
-                <a:off x="539552" y="3356992"/>
-                <a:ext cx="8064896" cy="3106491"/>
-              </a:xfrm>
-              <a:prstGeom prst="rect">
-                <a:avLst/>
-              </a:prstGeom>
-              <a:blipFill>
-                <a:blip r:embed="rId3"/>
-                <a:stretch>
-                  <a:fillRect l="-1210" t="-1572"/>
-                </a:stretch>
-              </a:blipFill>
-            </p:spPr>
-            <p:txBody>
-              <a:bodyPr/>
-              <a:lstStyle/>
-              <a:p>
-                <a:r>
-                  <a:rPr lang="pt-BR">
-                    <a:noFill/>
-                  </a:rPr>
-                  <a:t> </a:t>
-                </a:r>
-              </a:p>
-            </p:txBody>
-          </p:sp>
-        </mc:Fallback>
-      </mc:AlternateContent>
-      <mc:AlternateContent xmlns:mc="http://schemas.openxmlformats.org/markup-compatibility/2006" xmlns:a14="http://schemas.microsoft.com/office/drawing/2010/main">
-        <mc:Choice Requires="a14">
-          <p:sp>
-            <p:nvSpPr>
-              <p:cNvPr id="7" name="CaixaDeTexto 6"/>
-              <p:cNvSpPr txBox="1"/>
-              <p:nvPr/>
-            </p:nvSpPr>
-            <p:spPr>
-              <a:xfrm>
-                <a:off x="5148064" y="2276872"/>
-                <a:ext cx="2808312" cy="830997"/>
-              </a:xfrm>
-              <a:prstGeom prst="rect">
-                <a:avLst/>
-              </a:prstGeom>
-              <a:noFill/>
-            </p:spPr>
-            <p:txBody>
-              <a:bodyPr wrap="square" rtlCol="0">
-                <a:spAutoFit/>
-              </a:bodyPr>
-              <a:lstStyle/>
-              <a:p>
-                <a:pPr/>
-                <a14:m>
-                  <m:oMathPara xmlns:m="http://schemas.openxmlformats.org/officeDocument/2006/math">
-                    <m:oMathParaPr>
-                      <m:jc m:val="centerGroup"/>
-                    </m:oMathParaPr>
-                    <m:oMath xmlns:m="http://schemas.openxmlformats.org/officeDocument/2006/math">
-                      <m:r>
-                        <a:rPr lang="pt-BR" sz="2400" b="0" i="1" smtClean="0">
-                          <a:latin typeface="Cambria Math"/>
-                        </a:rPr>
-                        <m:t>𝑖</m:t>
-                      </m:r>
-                      <m:r>
-                        <a:rPr lang="pt-BR" sz="2400" b="0" i="1" smtClean="0">
-                          <a:latin typeface="Cambria Math"/>
-                        </a:rPr>
-                        <m:t>=1,2,3,…, </m:t>
-                      </m:r>
-                      <m:r>
-                        <a:rPr lang="pt-BR" sz="2400" b="0" i="1" smtClean="0">
-                          <a:latin typeface="Cambria Math"/>
-                        </a:rPr>
-                        <m:t>𝐼</m:t>
-                      </m:r>
-                    </m:oMath>
-                  </m:oMathPara>
-                </a14:m>
-                <a:endParaRPr lang="pt-BR" sz="2400" b="0" dirty="0"/>
-              </a:p>
-              <a:p>
-                <a:pPr/>
-                <a14:m>
-                  <m:oMathPara xmlns:m="http://schemas.openxmlformats.org/officeDocument/2006/math">
-                    <m:oMathParaPr>
-                      <m:jc m:val="centerGroup"/>
-                    </m:oMathParaPr>
-                    <m:oMath xmlns:m="http://schemas.openxmlformats.org/officeDocument/2006/math">
-                      <m:r>
-                        <a:rPr lang="pt-BR" sz="2400" b="0" i="1" smtClean="0">
-                          <a:latin typeface="Cambria Math"/>
-                        </a:rPr>
-                        <m:t>𝑗</m:t>
-                      </m:r>
-                      <m:r>
-                        <a:rPr lang="pt-BR" sz="2400" b="0" i="1" smtClean="0">
-                          <a:latin typeface="Cambria Math"/>
-                        </a:rPr>
-                        <m:t>=1,2,3,…,</m:t>
-                      </m:r>
-                      <m:r>
-                        <a:rPr lang="pt-BR" sz="2400" b="0" i="1" smtClean="0">
-                          <a:latin typeface="Cambria Math"/>
-                        </a:rPr>
-                        <m:t>𝐽</m:t>
-                      </m:r>
-                    </m:oMath>
-                  </m:oMathPara>
-                </a14:m>
-                <a:endParaRPr lang="pt-BR" sz="2400" dirty="0"/>
-              </a:p>
-            </p:txBody>
-          </p:sp>
-        </mc:Choice>
-        <mc:Fallback xmlns="">
-          <p:sp>
-            <p:nvSpPr>
-              <p:cNvPr id="7" name="CaixaDeTexto 6"/>
-              <p:cNvSpPr txBox="1">
-                <a:spLocks noRot="1" noChangeAspect="1" noMove="1" noResize="1" noEditPoints="1" noAdjustHandles="1" noChangeArrowheads="1" noChangeShapeType="1" noTextEdit="1"/>
-              </p:cNvSpPr>
-              <p:nvPr/>
-            </p:nvSpPr>
-            <p:spPr>
-              <a:xfrm>
-                <a:off x="5148064" y="2276872"/>
-                <a:ext cx="2808312" cy="830997"/>
-              </a:xfrm>
-              <a:prstGeom prst="rect">
-                <a:avLst/>
-              </a:prstGeom>
-              <a:blipFill rotWithShape="1">
-                <a:blip r:embed="rId4"/>
-                <a:stretch>
-                  <a:fillRect b="-8824"/>
-                </a:stretch>
-              </a:blipFill>
-            </p:spPr>
-            <p:txBody>
-              <a:bodyPr/>
-              <a:lstStyle/>
-              <a:p>
-                <a:r>
-                  <a:rPr lang="pt-BR">
-                    <a:noFill/>
-                  </a:rPr>
-                  <a:t> </a:t>
-                </a:r>
-              </a:p>
-            </p:txBody>
-          </p:sp>
-        </mc:Fallback>
-      </mc:AlternateContent>
     </p:spTree>
     <p:extLst>
       <p:ext uri="{BB962C8B-B14F-4D97-AF65-F5344CB8AC3E}">
-        <p14:creationId xmlns:p14="http://schemas.microsoft.com/office/powerpoint/2010/main" val="1292912304"/>
+        <p14:creationId xmlns:p14="http://schemas.microsoft.com/office/powerpoint/2010/main" val="1346302428"/>
       </p:ext>
     </p:extLst>
   </p:cSld>
@@ -5425,123 +4906,6 @@
 </file>
 
 <file path=ppt/slides/slide20.xml><?xml version="1.0" encoding="utf-8"?>
-<p:sld xmlns:a="http://schemas.openxmlformats.org/drawingml/2006/main" xmlns:r="http://schemas.openxmlformats.org/officeDocument/2006/relationships" xmlns:p="http://schemas.openxmlformats.org/presentationml/2006/main">
-  <p:cSld>
-    <p:spTree>
-      <p:nvGrpSpPr>
-        <p:cNvPr id="1" name=""/>
-        <p:cNvGrpSpPr/>
-        <p:nvPr/>
-      </p:nvGrpSpPr>
-      <p:grpSpPr>
-        <a:xfrm>
-          <a:off x="0" y="0"/>
-          <a:ext cx="0" cy="0"/>
-          <a:chOff x="0" y="0"/>
-          <a:chExt cx="0" cy="0"/>
-        </a:xfrm>
-      </p:grpSpPr>
-      <p:sp>
-        <p:nvSpPr>
-          <p:cNvPr id="3" name="Espaço Reservado para Conteúdo 2"/>
-          <p:cNvSpPr>
-            <a:spLocks noGrp="1"/>
-          </p:cNvSpPr>
-          <p:nvPr>
-            <p:ph idx="1"/>
-          </p:nvPr>
-        </p:nvSpPr>
-        <p:spPr>
-          <a:xfrm>
-            <a:off x="251520" y="1600200"/>
-            <a:ext cx="8712968" cy="4525963"/>
-          </a:xfrm>
-        </p:spPr>
-        <p:txBody>
-          <a:bodyPr>
-            <a:normAutofit lnSpcReduction="10000"/>
-          </a:bodyPr>
-          <a:lstStyle/>
-          <a:p>
-            <a:pPr algn="just"/>
-            <a:r>
-              <a:rPr lang="pt-BR" dirty="0"/>
-              <a:t>Exemplo: Supomos que estamos planejando um experimento de competição de inseticidas para o controle da mosca-branca-do-feijoeiro, com 5 tratamentos (4 inseticidas e uma </a:t>
-            </a:r>
-            <a:r>
-              <a:rPr lang="pt-BR" dirty="0">
-                <a:solidFill>
-                  <a:srgbClr val="FF0000"/>
-                </a:solidFill>
-              </a:rPr>
-              <a:t>testemunha</a:t>
-            </a:r>
-            <a:r>
-              <a:rPr lang="pt-BR" dirty="0"/>
-              <a:t>), representados por A, B, C, D, E, com 5 repetições, no delineamento inteiramente </a:t>
-            </a:r>
-            <a:r>
-              <a:rPr lang="pt-BR" dirty="0" err="1"/>
-              <a:t>casualizado</a:t>
-            </a:r>
-            <a:r>
-              <a:rPr lang="pt-BR" dirty="0"/>
-              <a:t>. Para procedermos com a casualização dos tratamentos, devemos numerar as parcelas de 1 a 25 e colocar as repetições de cada tratamento em sequência:</a:t>
-            </a:r>
-          </a:p>
-        </p:txBody>
-      </p:sp>
-      <p:sp>
-        <p:nvSpPr>
-          <p:cNvPr id="4" name="Título 1"/>
-          <p:cNvSpPr>
-            <a:spLocks noGrp="1"/>
-          </p:cNvSpPr>
-          <p:nvPr>
-            <p:ph type="title"/>
-          </p:nvPr>
-        </p:nvSpPr>
-        <p:spPr>
-          <a:xfrm>
-            <a:off x="457200" y="116632"/>
-            <a:ext cx="8229600" cy="1143000"/>
-          </a:xfrm>
-        </p:spPr>
-        <p:txBody>
-          <a:bodyPr>
-            <a:normAutofit fontScale="90000"/>
-          </a:bodyPr>
-          <a:lstStyle/>
-          <a:p>
-            <a:r>
-              <a:rPr lang="pt-BR" dirty="0"/>
-              <a:t>Delineamento Inteiramente </a:t>
-            </a:r>
-            <a:r>
-              <a:rPr lang="pt-BR" dirty="0" err="1"/>
-              <a:t>Casualizado</a:t>
-            </a:r>
-            <a:r>
-              <a:rPr lang="pt-BR" dirty="0"/>
-              <a:t> (DIC)</a:t>
-            </a:r>
-          </a:p>
-        </p:txBody>
-      </p:sp>
-    </p:spTree>
-    <p:extLst>
-      <p:ext uri="{BB962C8B-B14F-4D97-AF65-F5344CB8AC3E}">
-        <p14:creationId xmlns:p14="http://schemas.microsoft.com/office/powerpoint/2010/main" val="1346302428"/>
-      </p:ext>
-    </p:extLst>
-  </p:cSld>
-  <p:clrMapOvr>
-    <a:masterClrMapping/>
-  </p:clrMapOvr>
-</p:sld>
-</file>
-
-<file path=ppt/slides/slide21.xml><?xml version="1.0" encoding="utf-8"?>
 <p:sld xmlns:a="http://schemas.openxmlformats.org/drawingml/2006/main" xmlns:r="http://schemas.openxmlformats.org/officeDocument/2006/relationships" xmlns:p="http://schemas.openxmlformats.org/presentationml/2006/main">
   <p:cSld>
     <p:spTree>
@@ -7086,7 +6450,7 @@
 </p:sld>
 </file>
 
-<file path=ppt/slides/slide22.xml><?xml version="1.0" encoding="utf-8"?>
+<file path=ppt/slides/slide21.xml><?xml version="1.0" encoding="utf-8"?>
 <p:sld xmlns:a="http://schemas.openxmlformats.org/drawingml/2006/main" xmlns:r="http://schemas.openxmlformats.org/officeDocument/2006/relationships" xmlns:p="http://schemas.openxmlformats.org/presentationml/2006/main">
   <p:cSld>
     <p:spTree>
@@ -8594,7 +7958,7 @@
 </p:sld>
 </file>
 
-<file path=ppt/slides/slide23.xml><?xml version="1.0" encoding="utf-8"?>
+<file path=ppt/slides/slide22.xml><?xml version="1.0" encoding="utf-8"?>
 <p:sld xmlns:a="http://schemas.openxmlformats.org/drawingml/2006/main" xmlns:r="http://schemas.openxmlformats.org/officeDocument/2006/relationships" xmlns:p="http://schemas.openxmlformats.org/presentationml/2006/main">
   <p:cSld>
     <p:spTree>
@@ -8623,30 +7987,17 @@
         </p:nvSpPr>
         <p:spPr>
           <a:xfrm>
-            <a:off x="457200" y="1600201"/>
-            <a:ext cx="8229600" cy="3629000"/>
+            <a:off x="457200" y="1484784"/>
+            <a:ext cx="8229600" cy="748680"/>
           </a:xfrm>
         </p:spPr>
         <p:txBody>
           <a:bodyPr/>
           <a:lstStyle/>
           <a:p>
-            <a:pPr algn="just"/>
             <a:r>
               <a:rPr lang="pt-BR" dirty="0"/>
-              <a:t>Obtenção da ANOVA: Admitindo o modelo matemático do delineamento e satisfeitas as hipóteses básicas necessárias para validade da ANOVA (</a:t>
-            </a:r>
-            <a:r>
-              <a:rPr lang="pt-BR" dirty="0">
-                <a:solidFill>
-                  <a:srgbClr val="FF0000"/>
-                </a:solidFill>
-              </a:rPr>
-              <a:t>Normalidade, homogeneidade de variâncias e independência</a:t>
-            </a:r>
-            <a:r>
-              <a:rPr lang="pt-BR" dirty="0"/>
-              <a:t>), podemos passar á obtenção da análise de variância do experimento.</a:t>
+              <a:t>Modelo matemático</a:t>
             </a:r>
           </a:p>
         </p:txBody>
@@ -8688,8 +8039,8 @@
           </a:p>
         </p:txBody>
       </p:sp>
-      <mc:AlternateContent xmlns:mc="http://schemas.openxmlformats.org/markup-compatibility/2006" xmlns:a14="http://schemas.microsoft.com/office/drawing/2010/main">
-        <mc:Choice Requires="a14">
+      <mc:AlternateContent xmlns:mc="http://schemas.openxmlformats.org/markup-compatibility/2006">
+        <mc:Choice xmlns:a14="http://schemas.microsoft.com/office/drawing/2010/main" Requires="a14">
           <p:sp>
             <p:nvSpPr>
               <p:cNvPr id="5" name="CaixaDeTexto 4"/>
@@ -8698,8 +8049,8 @@
             </p:nvSpPr>
             <p:spPr>
               <a:xfrm>
-                <a:off x="251520" y="5661248"/>
-                <a:ext cx="8892480" cy="1077218"/>
+                <a:off x="827584" y="2204864"/>
+                <a:ext cx="5400600" cy="690895"/>
               </a:xfrm>
               <a:prstGeom prst="rect">
                 <a:avLst/>
@@ -8712,51 +8063,130 @@
               </a:bodyPr>
               <a:lstStyle/>
               <a:p>
-                <a:r>
-                  <a:rPr lang="pt-BR" sz="3200" dirty="0">
-                    <a:solidFill>
-                      <a:srgbClr val="FF0000"/>
-                    </a:solidFill>
-                  </a:rPr>
-                  <a:t>OBS</a:t>
-                </a:r>
-                <a:r>
-                  <a:rPr lang="pt-BR" sz="3200" dirty="0"/>
-                  <a:t>: No DIC, vamos considerar que </a:t>
-                </a:r>
+                <a:pPr/>
                 <a14:m>
-                  <m:oMath xmlns:m="http://schemas.openxmlformats.org/officeDocument/2006/math">
-                    <m:r>
-                      <a:rPr lang="pt-BR" sz="3200" b="0" i="1" smtClean="0">
-                        <a:latin typeface="Cambria Math"/>
-                      </a:rPr>
-                      <m:t>𝐼</m:t>
-                    </m:r>
-                  </m:oMath>
+                  <m:oMathPara xmlns:m="http://schemas.openxmlformats.org/officeDocument/2006/math">
+                    <m:oMathParaPr>
+                      <m:jc m:val="centerGroup"/>
+                    </m:oMathParaPr>
+                    <m:oMath xmlns:m="http://schemas.openxmlformats.org/officeDocument/2006/math">
+                      <m:sSub>
+                        <m:sSubPr>
+                          <m:ctrlPr>
+                            <a:rPr lang="pt-BR" sz="3600" i="1" smtClean="0">
+                              <a:latin typeface="Cambria Math" panose="02040503050406030204" pitchFamily="18" charset="0"/>
+                            </a:rPr>
+                          </m:ctrlPr>
+                        </m:sSubPr>
+                        <m:e>
+                          <m:r>
+                            <a:rPr lang="pt-BR" sz="3600" b="0" i="1" smtClean="0">
+                              <a:latin typeface="Cambria Math"/>
+                            </a:rPr>
+                            <m:t>𝑦</m:t>
+                          </m:r>
+                        </m:e>
+                        <m:sub>
+                          <m:r>
+                            <a:rPr lang="pt-BR" sz="3600" b="0" i="1" smtClean="0">
+                              <a:latin typeface="Cambria Math"/>
+                            </a:rPr>
+                            <m:t>𝑖𝑗</m:t>
+                          </m:r>
+                        </m:sub>
+                      </m:sSub>
+                      <m:r>
+                        <a:rPr lang="pt-BR" sz="3600" b="0" i="1" smtClean="0">
+                          <a:latin typeface="Cambria Math"/>
+                        </a:rPr>
+                        <m:t>=</m:t>
+                      </m:r>
+                      <m:r>
+                        <a:rPr lang="pt-BR" sz="3600" b="0" i="1" smtClean="0">
+                          <a:latin typeface="Cambria Math"/>
+                          <a:ea typeface="Cambria Math"/>
+                        </a:rPr>
+                        <m:t>𝜇</m:t>
+                      </m:r>
+                      <m:r>
+                        <a:rPr lang="pt-BR" sz="3600" b="0" i="1" smtClean="0">
+                          <a:latin typeface="Cambria Math"/>
+                          <a:ea typeface="Cambria Math"/>
+                        </a:rPr>
+                        <m:t>+</m:t>
+                      </m:r>
+                      <m:sSub>
+                        <m:sSubPr>
+                          <m:ctrlPr>
+                            <a:rPr lang="pt-BR" sz="3600" b="0" i="1" smtClean="0">
+                              <a:latin typeface="Cambria Math" panose="02040503050406030204" pitchFamily="18" charset="0"/>
+                              <a:ea typeface="Cambria Math"/>
+                            </a:rPr>
+                          </m:ctrlPr>
+                        </m:sSubPr>
+                        <m:e>
+                          <m:r>
+                            <a:rPr lang="pt-BR" sz="3600" b="0" i="1" smtClean="0">
+                              <a:latin typeface="Cambria Math"/>
+                              <a:ea typeface="Cambria Math"/>
+                            </a:rPr>
+                            <m:t>𝜏</m:t>
+                          </m:r>
+                        </m:e>
+                        <m:sub>
+                          <m:r>
+                            <a:rPr lang="pt-BR" sz="3600" b="0" i="1" smtClean="0">
+                              <a:latin typeface="Cambria Math"/>
+                              <a:ea typeface="Cambria Math"/>
+                            </a:rPr>
+                            <m:t>𝑖</m:t>
+                          </m:r>
+                        </m:sub>
+                      </m:sSub>
+                      <m:r>
+                        <a:rPr lang="pt-BR" sz="3600" b="0" i="1" smtClean="0">
+                          <a:latin typeface="Cambria Math"/>
+                          <a:ea typeface="Cambria Math"/>
+                        </a:rPr>
+                        <m:t>+</m:t>
+                      </m:r>
+                      <m:sSub>
+                        <m:sSubPr>
+                          <m:ctrlPr>
+                            <a:rPr lang="pt-BR" sz="3600" b="0" i="1" smtClean="0">
+                              <a:latin typeface="Cambria Math" panose="02040503050406030204" pitchFamily="18" charset="0"/>
+                              <a:ea typeface="Cambria Math"/>
+                            </a:rPr>
+                          </m:ctrlPr>
+                        </m:sSubPr>
+                        <m:e>
+                          <m:r>
+                            <a:rPr lang="pt-BR" sz="3600" b="0" i="1" smtClean="0">
+                              <a:latin typeface="Cambria Math"/>
+                              <a:ea typeface="Cambria Math"/>
+                            </a:rPr>
+                            <m:t>𝜀</m:t>
+                          </m:r>
+                        </m:e>
+                        <m:sub>
+                          <m:r>
+                            <a:rPr lang="pt-BR" sz="3600" b="0" i="1" smtClean="0">
+                              <a:latin typeface="Cambria Math"/>
+                              <a:ea typeface="Cambria Math"/>
+                            </a:rPr>
+                            <m:t>𝑖𝑗</m:t>
+                          </m:r>
+                        </m:sub>
+                      </m:sSub>
+                    </m:oMath>
+                  </m:oMathPara>
                 </a14:m>
-                <a:r>
-                  <a:rPr lang="pt-BR" sz="3200" dirty="0"/>
-                  <a:t> seja o número de tratamentos e </a:t>
-                </a:r>
-                <a14:m>
-                  <m:oMath xmlns:m="http://schemas.openxmlformats.org/officeDocument/2006/math">
-                    <m:r>
-                      <a:rPr lang="pt-BR" sz="3200" b="0" i="1" smtClean="0">
-                        <a:latin typeface="Cambria Math"/>
-                      </a:rPr>
-                      <m:t>𝐽</m:t>
-                    </m:r>
-                  </m:oMath>
-                </a14:m>
-                <a:r>
-                  <a:rPr lang="pt-BR" sz="3200" dirty="0"/>
-                  <a:t> repetições.</a:t>
-                </a:r>
+                <a:endParaRPr lang="pt-BR" sz="3600" dirty="0"/>
               </a:p>
             </p:txBody>
           </p:sp>
         </mc:Choice>
-        <mc:Fallback xmlns="">
+        <mc:Fallback>
           <p:sp>
             <p:nvSpPr>
               <p:cNvPr id="5" name="CaixaDeTexto 4"/>
@@ -8767,16 +8197,16 @@
             </p:nvSpPr>
             <p:spPr>
               <a:xfrm>
-                <a:off x="251520" y="5661248"/>
-                <a:ext cx="8892480" cy="1077218"/>
+                <a:off x="827584" y="2204864"/>
+                <a:ext cx="5400600" cy="690895"/>
               </a:xfrm>
               <a:prstGeom prst="rect">
                 <a:avLst/>
               </a:prstGeom>
-              <a:blipFill rotWithShape="1">
+              <a:blipFill>
                 <a:blip r:embed="rId2"/>
                 <a:stretch>
-                  <a:fillRect l="-1714" t="-6818" r="-822" b="-18750"/>
+                  <a:fillRect/>
                 </a:stretch>
               </a:blipFill>
             </p:spPr>
@@ -8795,6 +8225,642 @@
           </p:sp>
         </mc:Fallback>
       </mc:AlternateContent>
+      <mc:AlternateContent xmlns:mc="http://schemas.openxmlformats.org/markup-compatibility/2006">
+        <mc:Choice xmlns:a14="http://schemas.microsoft.com/office/drawing/2010/main" Requires="a14">
+          <p:sp>
+            <p:nvSpPr>
+              <p:cNvPr id="6" name="CaixaDeTexto 5"/>
+              <p:cNvSpPr txBox="1"/>
+              <p:nvPr/>
+            </p:nvSpPr>
+            <p:spPr>
+              <a:xfrm>
+                <a:off x="539552" y="3140968"/>
+                <a:ext cx="8064896" cy="3106491"/>
+              </a:xfrm>
+              <a:prstGeom prst="rect">
+                <a:avLst/>
+              </a:prstGeom>
+              <a:noFill/>
+            </p:spPr>
+            <p:txBody>
+              <a:bodyPr wrap="square" rtlCol="0">
+                <a:spAutoFit/>
+              </a:bodyPr>
+              <a:lstStyle/>
+              <a:p>
+                <a:r>
+                  <a:rPr lang="pt-BR" sz="2400" dirty="0"/>
+                  <a:t>Em que:</a:t>
+                </a:r>
+              </a:p>
+              <a:p>
+                <a:pPr marL="285750" indent="-285750">
+                  <a:buFont typeface="Arial" pitchFamily="34" charset="0"/>
+                  <a:buChar char="•"/>
+                </a:pPr>
+                <a14:m>
+                  <m:oMath xmlns:m="http://schemas.openxmlformats.org/officeDocument/2006/math">
+                    <m:sSub>
+                      <m:sSubPr>
+                        <m:ctrlPr>
+                          <a:rPr lang="pt-BR" sz="2400" i="1">
+                            <a:latin typeface="Cambria Math" panose="02040503050406030204" pitchFamily="18" charset="0"/>
+                          </a:rPr>
+                        </m:ctrlPr>
+                      </m:sSubPr>
+                      <m:e>
+                        <m:r>
+                          <a:rPr lang="pt-BR" sz="2400" i="1">
+                            <a:latin typeface="Cambria Math"/>
+                          </a:rPr>
+                          <m:t>𝑦</m:t>
+                        </m:r>
+                      </m:e>
+                      <m:sub>
+                        <m:r>
+                          <a:rPr lang="pt-BR" sz="2400" i="1">
+                            <a:latin typeface="Cambria Math"/>
+                          </a:rPr>
+                          <m:t>𝑖𝑗</m:t>
+                        </m:r>
+                      </m:sub>
+                    </m:sSub>
+                  </m:oMath>
+                </a14:m>
+                <a:r>
+                  <a:rPr lang="pt-BR" sz="2400" dirty="0"/>
+                  <a:t>: valor observado na parcela que recebeu o tratamento </a:t>
+                </a:r>
+                <a14:m>
+                  <m:oMath xmlns:m="http://schemas.openxmlformats.org/officeDocument/2006/math">
+                    <m:r>
+                      <a:rPr lang="pt-BR" sz="2400" b="1" i="1" smtClean="0">
+                        <a:latin typeface="Cambria Math"/>
+                      </a:rPr>
+                      <m:t>𝒊</m:t>
+                    </m:r>
+                  </m:oMath>
+                </a14:m>
+                <a:r>
+                  <a:rPr lang="pt-BR" sz="2400" b="1" dirty="0"/>
+                  <a:t> </a:t>
+                </a:r>
+                <a:r>
+                  <a:rPr lang="pt-BR" sz="2400" dirty="0"/>
+                  <a:t>na repetição </a:t>
+                </a:r>
+                <a14:m>
+                  <m:oMath xmlns:m="http://schemas.openxmlformats.org/officeDocument/2006/math">
+                    <m:r>
+                      <a:rPr lang="pt-BR" sz="2400" b="1" i="1" smtClean="0">
+                        <a:latin typeface="Cambria Math"/>
+                      </a:rPr>
+                      <m:t>𝒋</m:t>
+                    </m:r>
+                  </m:oMath>
+                </a14:m>
+                <a:r>
+                  <a:rPr lang="pt-BR" sz="2400" b="1" dirty="0"/>
+                  <a:t> </a:t>
+                </a:r>
+                <a:r>
+                  <a:rPr lang="pt-BR" sz="2400" dirty="0"/>
+                  <a:t>;</a:t>
+                </a:r>
+              </a:p>
+              <a:p>
+                <a:pPr marL="285750" indent="-285750">
+                  <a:buFont typeface="Arial" pitchFamily="34" charset="0"/>
+                  <a:buChar char="•"/>
+                </a:pPr>
+                <a14:m>
+                  <m:oMath xmlns:m="http://schemas.openxmlformats.org/officeDocument/2006/math">
+                    <m:r>
+                      <a:rPr lang="pt-BR" sz="2400" i="1" smtClean="0">
+                        <a:latin typeface="Cambria Math"/>
+                        <a:ea typeface="Cambria Math"/>
+                      </a:rPr>
+                      <m:t>𝜇</m:t>
+                    </m:r>
+                  </m:oMath>
+                </a14:m>
+                <a:r>
+                  <a:rPr lang="pt-BR" sz="2400" dirty="0"/>
+                  <a:t>: média total;</a:t>
+                </a:r>
+              </a:p>
+              <a:p>
+                <a:pPr marL="285750" indent="-285750">
+                  <a:buFont typeface="Arial" pitchFamily="34" charset="0"/>
+                  <a:buChar char="•"/>
+                </a:pPr>
+                <a14:m>
+                  <m:oMath xmlns:m="http://schemas.openxmlformats.org/officeDocument/2006/math">
+                    <m:sSub>
+                      <m:sSubPr>
+                        <m:ctrlPr>
+                          <a:rPr lang="pt-BR" sz="2400" i="1" smtClean="0">
+                            <a:latin typeface="Cambria Math" panose="02040503050406030204" pitchFamily="18" charset="0"/>
+                          </a:rPr>
+                        </m:ctrlPr>
+                      </m:sSubPr>
+                      <m:e>
+                        <m:r>
+                          <a:rPr lang="pt-BR" sz="2400" i="1" smtClean="0">
+                            <a:latin typeface="Cambria Math"/>
+                            <a:ea typeface="Cambria Math"/>
+                          </a:rPr>
+                          <m:t>𝜏</m:t>
+                        </m:r>
+                      </m:e>
+                      <m:sub>
+                        <m:r>
+                          <a:rPr lang="pt-BR" sz="2400" b="0" i="1" smtClean="0">
+                            <a:latin typeface="Cambria Math"/>
+                          </a:rPr>
+                          <m:t>𝑖</m:t>
+                        </m:r>
+                      </m:sub>
+                    </m:sSub>
+                  </m:oMath>
+                </a14:m>
+                <a:r>
+                  <a:rPr lang="pt-BR" sz="2400" dirty="0"/>
+                  <a:t>: efeito do tratamento </a:t>
+                </a:r>
+                <a14:m>
+                  <m:oMath xmlns:m="http://schemas.openxmlformats.org/officeDocument/2006/math">
+                    <m:r>
+                      <a:rPr lang="pt-BR" sz="2400" b="1" i="1">
+                        <a:latin typeface="Cambria Math"/>
+                      </a:rPr>
+                      <m:t>𝒊</m:t>
+                    </m:r>
+                  </m:oMath>
+                </a14:m>
+                <a:r>
+                  <a:rPr lang="pt-BR" sz="2400" b="1" dirty="0"/>
+                  <a:t> </a:t>
+                </a:r>
+                <a:r>
+                  <a:rPr lang="pt-BR" sz="2400" dirty="0"/>
+                  <a:t> aplicado na parcela;</a:t>
+                </a:r>
+              </a:p>
+              <a:p>
+                <a:pPr marL="285750" indent="-285750">
+                  <a:buFont typeface="Arial" pitchFamily="34" charset="0"/>
+                  <a:buChar char="•"/>
+                </a:pPr>
+                <a14:m>
+                  <m:oMath xmlns:m="http://schemas.openxmlformats.org/officeDocument/2006/math">
+                    <m:sSub>
+                      <m:sSubPr>
+                        <m:ctrlPr>
+                          <a:rPr lang="pt-BR" sz="2400" i="1">
+                            <a:latin typeface="Cambria Math" panose="02040503050406030204" pitchFamily="18" charset="0"/>
+                            <a:ea typeface="Cambria Math"/>
+                          </a:rPr>
+                        </m:ctrlPr>
+                      </m:sSubPr>
+                      <m:e>
+                        <m:r>
+                          <a:rPr lang="pt-BR" sz="2400" i="1">
+                            <a:latin typeface="Cambria Math"/>
+                            <a:ea typeface="Cambria Math"/>
+                          </a:rPr>
+                          <m:t>𝜀</m:t>
+                        </m:r>
+                      </m:e>
+                      <m:sub>
+                        <m:r>
+                          <a:rPr lang="pt-BR" sz="2400" i="1">
+                            <a:latin typeface="Cambria Math"/>
+                            <a:ea typeface="Cambria Math"/>
+                          </a:rPr>
+                          <m:t>𝑖𝑗</m:t>
+                        </m:r>
+                      </m:sub>
+                    </m:sSub>
+                  </m:oMath>
+                </a14:m>
+                <a:r>
+                  <a:rPr lang="pt-BR" sz="2400" dirty="0"/>
+                  <a:t>: efeito dos fatores não controlados na parcela (erro).</a:t>
+                </a:r>
+              </a:p>
+              <a:p>
+                <a:pPr marL="285750" indent="-285750">
+                  <a:buFont typeface="Arial" pitchFamily="34" charset="0"/>
+                  <a:buChar char="•"/>
+                </a:pPr>
+                <a:endParaRPr lang="pt-BR" sz="2400" dirty="0"/>
+              </a:p>
+              <a:p>
+                <a:pPr marL="285750" indent="-285750">
+                  <a:buFont typeface="Arial" pitchFamily="34" charset="0"/>
+                  <a:buChar char="•"/>
+                </a:pPr>
+                <a:endParaRPr lang="pt-BR" sz="2400" dirty="0"/>
+              </a:p>
+            </p:txBody>
+          </p:sp>
+        </mc:Choice>
+        <mc:Fallback>
+          <p:sp>
+            <p:nvSpPr>
+              <p:cNvPr id="6" name="CaixaDeTexto 5"/>
+              <p:cNvSpPr txBox="1">
+                <a:spLocks noRot="1" noChangeAspect="1" noMove="1" noResize="1" noEditPoints="1" noAdjustHandles="1" noChangeArrowheads="1" noChangeShapeType="1" noTextEdit="1"/>
+              </p:cNvSpPr>
+              <p:nvPr/>
+            </p:nvSpPr>
+            <p:spPr>
+              <a:xfrm>
+                <a:off x="539552" y="3140968"/>
+                <a:ext cx="8064896" cy="3106491"/>
+              </a:xfrm>
+              <a:prstGeom prst="rect">
+                <a:avLst/>
+              </a:prstGeom>
+              <a:blipFill>
+                <a:blip r:embed="rId3"/>
+                <a:stretch>
+                  <a:fillRect l="-1210" t="-1569"/>
+                </a:stretch>
+              </a:blipFill>
+            </p:spPr>
+            <p:txBody>
+              <a:bodyPr/>
+              <a:lstStyle/>
+              <a:p>
+                <a:r>
+                  <a:rPr lang="pt-BR">
+                    <a:noFill/>
+                  </a:rPr>
+                  <a:t> </a:t>
+                </a:r>
+              </a:p>
+            </p:txBody>
+          </p:sp>
+        </mc:Fallback>
+      </mc:AlternateContent>
+      <mc:AlternateContent xmlns:mc="http://schemas.openxmlformats.org/markup-compatibility/2006">
+        <mc:Choice xmlns:a14="http://schemas.microsoft.com/office/drawing/2010/main" Requires="a14">
+          <p:sp>
+            <p:nvSpPr>
+              <p:cNvPr id="7" name="CaixaDeTexto 6"/>
+              <p:cNvSpPr txBox="1"/>
+              <p:nvPr/>
+            </p:nvSpPr>
+            <p:spPr>
+              <a:xfrm>
+                <a:off x="5148064" y="2132856"/>
+                <a:ext cx="2808312" cy="830997"/>
+              </a:xfrm>
+              <a:prstGeom prst="rect">
+                <a:avLst/>
+              </a:prstGeom>
+              <a:noFill/>
+            </p:spPr>
+            <p:txBody>
+              <a:bodyPr wrap="square" rtlCol="0">
+                <a:spAutoFit/>
+              </a:bodyPr>
+              <a:lstStyle/>
+              <a:p>
+                <a:pPr/>
+                <a14:m>
+                  <m:oMathPara xmlns:m="http://schemas.openxmlformats.org/officeDocument/2006/math">
+                    <m:oMathParaPr>
+                      <m:jc m:val="centerGroup"/>
+                    </m:oMathParaPr>
+                    <m:oMath xmlns:m="http://schemas.openxmlformats.org/officeDocument/2006/math">
+                      <m:r>
+                        <a:rPr lang="pt-BR" sz="2400" b="0" i="1" smtClean="0">
+                          <a:latin typeface="Cambria Math"/>
+                        </a:rPr>
+                        <m:t>𝑖</m:t>
+                      </m:r>
+                      <m:r>
+                        <a:rPr lang="pt-BR" sz="2400" b="0" i="1" smtClean="0">
+                          <a:latin typeface="Cambria Math"/>
+                        </a:rPr>
+                        <m:t>=1,2,3,…, </m:t>
+                      </m:r>
+                      <m:r>
+                        <a:rPr lang="pt-BR" sz="2400" b="0" i="1" smtClean="0">
+                          <a:latin typeface="Cambria Math"/>
+                        </a:rPr>
+                        <m:t>𝐼</m:t>
+                      </m:r>
+                    </m:oMath>
+                  </m:oMathPara>
+                </a14:m>
+                <a:endParaRPr lang="pt-BR" sz="2400" b="0" dirty="0"/>
+              </a:p>
+              <a:p>
+                <a:pPr/>
+                <a14:m>
+                  <m:oMathPara xmlns:m="http://schemas.openxmlformats.org/officeDocument/2006/math">
+                    <m:oMathParaPr>
+                      <m:jc m:val="centerGroup"/>
+                    </m:oMathParaPr>
+                    <m:oMath xmlns:m="http://schemas.openxmlformats.org/officeDocument/2006/math">
+                      <m:r>
+                        <a:rPr lang="pt-BR" sz="2400" b="0" i="1" smtClean="0">
+                          <a:latin typeface="Cambria Math"/>
+                        </a:rPr>
+                        <m:t>𝑗</m:t>
+                      </m:r>
+                      <m:r>
+                        <a:rPr lang="pt-BR" sz="2400" b="0" i="1" smtClean="0">
+                          <a:latin typeface="Cambria Math"/>
+                        </a:rPr>
+                        <m:t>=1,2,3,…,</m:t>
+                      </m:r>
+                      <m:r>
+                        <a:rPr lang="pt-BR" sz="2400" b="0" i="1" smtClean="0">
+                          <a:latin typeface="Cambria Math"/>
+                        </a:rPr>
+                        <m:t>𝐽</m:t>
+                      </m:r>
+                    </m:oMath>
+                  </m:oMathPara>
+                </a14:m>
+                <a:endParaRPr lang="pt-BR" sz="2400" dirty="0"/>
+              </a:p>
+            </p:txBody>
+          </p:sp>
+        </mc:Choice>
+        <mc:Fallback>
+          <p:sp>
+            <p:nvSpPr>
+              <p:cNvPr id="7" name="CaixaDeTexto 6"/>
+              <p:cNvSpPr txBox="1">
+                <a:spLocks noRot="1" noChangeAspect="1" noMove="1" noResize="1" noEditPoints="1" noAdjustHandles="1" noChangeArrowheads="1" noChangeShapeType="1" noTextEdit="1"/>
+              </p:cNvSpPr>
+              <p:nvPr/>
+            </p:nvSpPr>
+            <p:spPr>
+              <a:xfrm>
+                <a:off x="5148064" y="2132856"/>
+                <a:ext cx="2808312" cy="830997"/>
+              </a:xfrm>
+              <a:prstGeom prst="rect">
+                <a:avLst/>
+              </a:prstGeom>
+              <a:blipFill>
+                <a:blip r:embed="rId4"/>
+                <a:stretch>
+                  <a:fillRect b="-8824"/>
+                </a:stretch>
+              </a:blipFill>
+            </p:spPr>
+            <p:txBody>
+              <a:bodyPr/>
+              <a:lstStyle/>
+              <a:p>
+                <a:r>
+                  <a:rPr lang="pt-BR">
+                    <a:noFill/>
+                  </a:rPr>
+                  <a:t> </a:t>
+                </a:r>
+              </a:p>
+            </p:txBody>
+          </p:sp>
+        </mc:Fallback>
+      </mc:AlternateContent>
+      <mc:AlternateContent xmlns:mc="http://schemas.openxmlformats.org/markup-compatibility/2006">
+        <mc:Choice xmlns:a14="http://schemas.microsoft.com/office/drawing/2010/main" Requires="a14">
+          <p:sp>
+            <p:nvSpPr>
+              <p:cNvPr id="8" name="CaixaDeTexto 7">
+                <a:extLst>
+                  <a:ext uri="{FF2B5EF4-FFF2-40B4-BE49-F238E27FC236}">
+                    <a16:creationId xmlns:a16="http://schemas.microsoft.com/office/drawing/2014/main" id="{22EDE1C9-8916-41D0-BF69-B0B424F75588}"/>
+                  </a:ext>
+                </a:extLst>
+              </p:cNvPr>
+              <p:cNvSpPr txBox="1"/>
+              <p:nvPr/>
+            </p:nvSpPr>
+            <p:spPr>
+              <a:xfrm>
+                <a:off x="251520" y="5661248"/>
+                <a:ext cx="8892480" cy="954107"/>
+              </a:xfrm>
+              <a:prstGeom prst="rect">
+                <a:avLst/>
+              </a:prstGeom>
+              <a:noFill/>
+            </p:spPr>
+            <p:txBody>
+              <a:bodyPr wrap="square" rtlCol="0">
+                <a:spAutoFit/>
+              </a:bodyPr>
+              <a:lstStyle/>
+              <a:p>
+                <a:r>
+                  <a:rPr lang="pt-BR" sz="2800" dirty="0">
+                    <a:solidFill>
+                      <a:srgbClr val="FF0000"/>
+                    </a:solidFill>
+                  </a:rPr>
+                  <a:t>OBS</a:t>
+                </a:r>
+                <a:r>
+                  <a:rPr lang="pt-BR" sz="2800" dirty="0"/>
+                  <a:t>: No DIC, vamos considerar que </a:t>
+                </a:r>
+                <a14:m>
+                  <m:oMath xmlns:m="http://schemas.openxmlformats.org/officeDocument/2006/math">
+                    <m:r>
+                      <a:rPr lang="pt-BR" sz="2800" b="0" i="1" smtClean="0">
+                        <a:latin typeface="Cambria Math"/>
+                      </a:rPr>
+                      <m:t>𝐼</m:t>
+                    </m:r>
+                  </m:oMath>
+                </a14:m>
+                <a:r>
+                  <a:rPr lang="pt-BR" sz="2800" dirty="0"/>
+                  <a:t> seja o número de tratamentos e </a:t>
+                </a:r>
+                <a14:m>
+                  <m:oMath xmlns:m="http://schemas.openxmlformats.org/officeDocument/2006/math">
+                    <m:r>
+                      <a:rPr lang="pt-BR" sz="2800" b="0" i="1" smtClean="0">
+                        <a:latin typeface="Cambria Math"/>
+                      </a:rPr>
+                      <m:t>𝐽</m:t>
+                    </m:r>
+                  </m:oMath>
+                </a14:m>
+                <a:r>
+                  <a:rPr lang="pt-BR" sz="2800" dirty="0"/>
+                  <a:t> repetições.</a:t>
+                </a:r>
+              </a:p>
+            </p:txBody>
+          </p:sp>
+        </mc:Choice>
+        <mc:Fallback>
+          <p:sp>
+            <p:nvSpPr>
+              <p:cNvPr id="8" name="CaixaDeTexto 7">
+                <a:extLst>
+                  <a:ext uri="{FF2B5EF4-FFF2-40B4-BE49-F238E27FC236}">
+                    <a16:creationId xmlns:a16="http://schemas.microsoft.com/office/drawing/2014/main" id="{22EDE1C9-8916-41D0-BF69-B0B424F75588}"/>
+                  </a:ext>
+                </a:extLst>
+              </p:cNvPr>
+              <p:cNvSpPr txBox="1">
+                <a:spLocks noRot="1" noChangeAspect="1" noMove="1" noResize="1" noEditPoints="1" noAdjustHandles="1" noChangeArrowheads="1" noChangeShapeType="1" noTextEdit="1"/>
+              </p:cNvSpPr>
+              <p:nvPr/>
+            </p:nvSpPr>
+            <p:spPr>
+              <a:xfrm>
+                <a:off x="251520" y="5661248"/>
+                <a:ext cx="8892480" cy="954107"/>
+              </a:xfrm>
+              <a:prstGeom prst="rect">
+                <a:avLst/>
+              </a:prstGeom>
+              <a:blipFill>
+                <a:blip r:embed="rId5"/>
+                <a:stretch>
+                  <a:fillRect l="-1371" t="-6410" b="-17949"/>
+                </a:stretch>
+              </a:blipFill>
+            </p:spPr>
+            <p:txBody>
+              <a:bodyPr/>
+              <a:lstStyle/>
+              <a:p>
+                <a:r>
+                  <a:rPr lang="pt-BR">
+                    <a:noFill/>
+                  </a:rPr>
+                  <a:t> </a:t>
+                </a:r>
+              </a:p>
+            </p:txBody>
+          </p:sp>
+        </mc:Fallback>
+      </mc:AlternateContent>
+    </p:spTree>
+    <p:extLst>
+      <p:ext uri="{BB962C8B-B14F-4D97-AF65-F5344CB8AC3E}">
+        <p14:creationId xmlns:p14="http://schemas.microsoft.com/office/powerpoint/2010/main" val="1292912304"/>
+      </p:ext>
+    </p:extLst>
+  </p:cSld>
+  <p:clrMapOvr>
+    <a:masterClrMapping/>
+  </p:clrMapOvr>
+</p:sld>
+</file>
+
+<file path=ppt/slides/slide23.xml><?xml version="1.0" encoding="utf-8"?>
+<p:sld xmlns:a="http://schemas.openxmlformats.org/drawingml/2006/main" xmlns:r="http://schemas.openxmlformats.org/officeDocument/2006/relationships" xmlns:p="http://schemas.openxmlformats.org/presentationml/2006/main">
+  <p:cSld>
+    <p:spTree>
+      <p:nvGrpSpPr>
+        <p:cNvPr id="1" name=""/>
+        <p:cNvGrpSpPr/>
+        <p:nvPr/>
+      </p:nvGrpSpPr>
+      <p:grpSpPr>
+        <a:xfrm>
+          <a:off x="0" y="0"/>
+          <a:ext cx="0" cy="0"/>
+          <a:chOff x="0" y="0"/>
+          <a:chExt cx="0" cy="0"/>
+        </a:xfrm>
+      </p:grpSpPr>
+      <p:sp>
+        <p:nvSpPr>
+          <p:cNvPr id="3" name="Espaço Reservado para Conteúdo 2"/>
+          <p:cNvSpPr>
+            <a:spLocks noGrp="1"/>
+          </p:cNvSpPr>
+          <p:nvPr>
+            <p:ph idx="1"/>
+          </p:nvPr>
+        </p:nvSpPr>
+        <p:spPr>
+          <a:xfrm>
+            <a:off x="457200" y="1600201"/>
+            <a:ext cx="8229600" cy="3629000"/>
+          </a:xfrm>
+        </p:spPr>
+        <p:txBody>
+          <a:bodyPr>
+            <a:normAutofit lnSpcReduction="10000"/>
+          </a:bodyPr>
+          <a:lstStyle/>
+          <a:p>
+            <a:pPr algn="just"/>
+            <a:r>
+              <a:rPr lang="pt-BR" dirty="0"/>
+              <a:t>Obtenção da análise de variância (ANOVA): Admitindo o modelo matemático do delineamento e satisfeitas as hipóteses básicas necessárias para validade da ANOVA (</a:t>
+            </a:r>
+            <a:r>
+              <a:rPr lang="pt-BR" dirty="0">
+                <a:solidFill>
+                  <a:srgbClr val="FF0000"/>
+                </a:solidFill>
+              </a:rPr>
+              <a:t>Normalidade, homogeneidade de variâncias e independência</a:t>
+            </a:r>
+            <a:r>
+              <a:rPr lang="pt-BR" dirty="0"/>
+              <a:t>), podemos passar para obtenção da análise de variância do experimento.</a:t>
+            </a:r>
+          </a:p>
+        </p:txBody>
+      </p:sp>
+      <p:sp>
+        <p:nvSpPr>
+          <p:cNvPr id="4" name="Título 1"/>
+          <p:cNvSpPr>
+            <a:spLocks noGrp="1"/>
+          </p:cNvSpPr>
+          <p:nvPr>
+            <p:ph type="title"/>
+          </p:nvPr>
+        </p:nvSpPr>
+        <p:spPr>
+          <a:xfrm>
+            <a:off x="457200" y="116632"/>
+            <a:ext cx="8229600" cy="1143000"/>
+          </a:xfrm>
+        </p:spPr>
+        <p:txBody>
+          <a:bodyPr>
+            <a:normAutofit fontScale="90000"/>
+          </a:bodyPr>
+          <a:lstStyle/>
+          <a:p>
+            <a:r>
+              <a:rPr lang="pt-BR" dirty="0"/>
+              <a:t>Delineamento Inteiramente </a:t>
+            </a:r>
+            <a:r>
+              <a:rPr lang="pt-BR" dirty="0" err="1"/>
+              <a:t>Casualizado</a:t>
+            </a:r>
+            <a:r>
+              <a:rPr lang="pt-BR" dirty="0"/>
+              <a:t> (DIC)</a:t>
+            </a:r>
+          </a:p>
+        </p:txBody>
+      </p:sp>
     </p:spTree>
     <p:extLst>
       <p:ext uri="{BB962C8B-B14F-4D97-AF65-F5344CB8AC3E}">
@@ -8862,8 +8928,8 @@
           </a:p>
         </p:txBody>
       </p:sp>
-      <mc:AlternateContent xmlns:mc="http://schemas.openxmlformats.org/markup-compatibility/2006" xmlns:a14="http://schemas.microsoft.com/office/drawing/2010/main">
-        <mc:Choice Requires="a14">
+      <mc:AlternateContent xmlns:mc="http://schemas.openxmlformats.org/markup-compatibility/2006">
+        <mc:Choice xmlns:a14="http://schemas.microsoft.com/office/drawing/2010/main" Requires="a14">
           <p:sp>
             <p:nvSpPr>
               <p:cNvPr id="7" name="Espaço Reservado para Conteúdo 2">
@@ -8882,8 +8948,8 @@
             </p:nvSpPr>
             <p:spPr>
               <a:xfrm>
-                <a:off x="457200" y="1196753"/>
-                <a:ext cx="8229600" cy="3456384"/>
+                <a:off x="457200" y="1196752"/>
+                <a:ext cx="8229600" cy="5112567"/>
               </a:xfrm>
             </p:spPr>
             <p:txBody>
@@ -8891,13 +8957,6 @@
                 <a:normAutofit/>
               </a:bodyPr>
               <a:lstStyle/>
-              <a:p>
-                <a:pPr algn="just"/>
-                <a:r>
-                  <a:rPr lang="pt-BR" dirty="0"/>
-                  <a:t>Teste F para verificar a hipótese nula de que as médias populacionais ou de tratamentos são iguais.</a:t>
-                </a:r>
-              </a:p>
               <a:p>
                 <a:r>
                   <a:rPr lang="pt-BR" dirty="0"/>
@@ -9244,12 +9303,36 @@
                     </m:d>
                   </m:oMath>
                 </a14:m>
+                <a:endParaRPr lang="pt-BR" b="0" dirty="0">
+                  <a:solidFill>
+                    <a:schemeClr val="bg1"/>
+                  </a:solidFill>
+                  <a:ea typeface="Cambria Math"/>
+                </a:endParaRPr>
+              </a:p>
+              <a:p>
+                <a:pPr marL="0" indent="0" algn="just">
+                  <a:buNone/>
+                </a:pPr>
+                <a:endParaRPr lang="pt-BR" dirty="0"/>
+              </a:p>
+              <a:p>
+                <a:pPr algn="just"/>
+                <a:r>
+                  <a:rPr lang="pt-BR" dirty="0"/>
+                  <a:t>Teste F para verificar a hipótese nula de que as médias populacionais ou de tratamentos são iguais.</a:t>
+                </a:r>
+              </a:p>
+              <a:p>
+                <a:pPr marL="0" indent="0" algn="just">
+                  <a:buNone/>
+                </a:pPr>
                 <a:endParaRPr lang="pt-BR" dirty="0"/>
               </a:p>
             </p:txBody>
           </p:sp>
         </mc:Choice>
-        <mc:Fallback xmlns="">
+        <mc:Fallback>
           <p:sp>
             <p:nvSpPr>
               <p:cNvPr id="7" name="Espaço Reservado para Conteúdo 2">
@@ -9268,13 +9351,13 @@
             </p:nvSpPr>
             <p:spPr>
               <a:xfrm>
-                <a:off x="457200" y="1196753"/>
-                <a:ext cx="8229600" cy="3456384"/>
+                <a:off x="457200" y="1196752"/>
+                <a:ext cx="8229600" cy="5112567"/>
               </a:xfrm>
               <a:blipFill>
                 <a:blip r:embed="rId2"/>
                 <a:stretch>
-                  <a:fillRect l="-1704" t="-2293" r="-1852"/>
+                  <a:fillRect l="-1704" t="-1549" r="-1852"/>
                 </a:stretch>
               </a:blipFill>
             </p:spPr>
@@ -9368,33 +9451,62 @@
         </p:spPr>
         <p:txBody>
           <a:bodyPr>
-            <a:normAutofit lnSpcReduction="10000"/>
+            <a:normAutofit/>
           </a:bodyPr>
           <a:lstStyle/>
           <a:p>
             <a:pPr algn="just"/>
             <a:r>
-              <a:rPr lang="pt-BR" dirty="0"/>
+              <a:rPr lang="pt-BR" sz="2800" dirty="0"/>
               <a:t>Num experimento inteiramente </a:t>
             </a:r>
             <a:r>
-              <a:rPr lang="pt-BR" dirty="0" err="1"/>
+              <a:rPr lang="pt-BR" sz="2800" dirty="0" err="1"/>
               <a:t>casualizado</a:t>
             </a:r>
             <a:r>
-              <a:rPr lang="pt-BR" dirty="0"/>
-              <a:t> de competição de cultivares de mandioca, realizado numa área perfeitamente homogênea quanto as condições experimentais, foram utilizados 5 cultivares e 5 repetições. Os cultivares utilizados foram: IAC 5(A)- IAC 7(B) – IAC 11(C) – IRACEMA(D) – MANTIQUEIRA (E).</a:t>
-            </a:r>
-          </a:p>
-          <a:p>
-            <a:pPr algn="just"/>
-            <a:r>
-              <a:rPr lang="pt-BR" dirty="0"/>
-              <a:t>Verifique se a produtividade das cultivares é a mesma.</a:t>
+              <a:rPr lang="pt-BR" sz="2800" dirty="0"/>
+              <a:t> de competição de cultivares de mandioca, realizado numa área perfeitamente homogênea quanto as condições experimentais, foram utilizados 5 cultivares e 5 repetições. Os cultivares utilizados foram: IAC 5(A)- IAC 7(B) – IAC 11(C) – IRACEMA(D) – MANTIQUEIRA (E). Verifique se a produtividade das cultivares é a mesma.</a:t>
             </a:r>
           </a:p>
         </p:txBody>
       </p:sp>
+      <p:pic>
+        <p:nvPicPr>
+          <p:cNvPr id="5" name="Imagem 4">
+            <a:extLst>
+              <a:ext uri="{FF2B5EF4-FFF2-40B4-BE49-F238E27FC236}">
+                <a16:creationId xmlns:a16="http://schemas.microsoft.com/office/drawing/2014/main" id="{9CB3F947-4448-4E2E-8247-19D437DE7D88}"/>
+              </a:ext>
+            </a:extLst>
+          </p:cNvPr>
+          <p:cNvPicPr>
+            <a:picLocks noChangeAspect="1"/>
+          </p:cNvPicPr>
+          <p:nvPr/>
+        </p:nvPicPr>
+        <p:blipFill>
+          <a:blip r:embed="rId2" cstate="print">
+            <a:extLst>
+              <a:ext uri="{28A0092B-C50C-407E-A947-70E740481C1C}">
+                <a14:useLocalDpi xmlns:a14="http://schemas.microsoft.com/office/drawing/2010/main" val="0"/>
+              </a:ext>
+            </a:extLst>
+          </a:blip>
+          <a:stretch>
+            <a:fillRect/>
+          </a:stretch>
+        </p:blipFill>
+        <p:spPr>
+          <a:xfrm>
+            <a:off x="2177988" y="4235209"/>
+            <a:ext cx="4788024" cy="2578167"/>
+          </a:xfrm>
+          <a:prstGeom prst="rect">
+            <a:avLst/>
+          </a:prstGeom>
+        </p:spPr>
+      </p:pic>
     </p:spTree>
     <p:extLst>
       <p:ext uri="{BB962C8B-B14F-4D97-AF65-F5344CB8AC3E}">
@@ -30993,8 +31105,8 @@
           </p:sp>
         </mc:Fallback>
       </mc:AlternateContent>
-      <mc:AlternateContent xmlns:mc="http://schemas.openxmlformats.org/markup-compatibility/2006" xmlns:a14="http://schemas.microsoft.com/office/drawing/2010/main">
-        <mc:Choice Requires="a14">
+      <mc:AlternateContent xmlns:mc="http://schemas.openxmlformats.org/markup-compatibility/2006">
+        <mc:Choice xmlns:a14="http://schemas.microsoft.com/office/drawing/2010/main" Requires="a14">
           <p:sp>
             <p:nvSpPr>
               <p:cNvPr id="6" name="CaixaDeTexto 5"/>
@@ -31020,7 +31132,31 @@
                 <a:pPr algn="just"/>
                 <a:r>
                   <a:rPr lang="pt-BR" sz="3200" dirty="0"/>
-                  <a:t>OBS: O coeficiente de variação dá uma ideia da precisão do experimento. Tendo em vista os CV obtidos comumente nos ensaios agrícolas de campo, pode-se considerar que:</a:t>
+                  <a:t>OBS: O coeficiente de variação dá uma ideia da </a:t>
+                </a:r>
+                <a:r>
+                  <a:rPr lang="pt-BR" sz="3200" dirty="0">
+                    <a:solidFill>
+                      <a:srgbClr val="FF0000"/>
+                    </a:solidFill>
+                  </a:rPr>
+                  <a:t>precisão do experimento</a:t>
+                </a:r>
+                <a:r>
+                  <a:rPr lang="pt-BR" sz="3200" dirty="0"/>
+                  <a:t>. Tendo em vista os CV obtidos comumente nos </a:t>
+                </a:r>
+                <a:r>
+                  <a:rPr lang="pt-BR" sz="3200" dirty="0">
+                    <a:solidFill>
+                      <a:srgbClr val="FF0000"/>
+                    </a:solidFill>
+                  </a:rPr>
+                  <a:t>ensaios agrícolas</a:t>
+                </a:r>
+                <a:r>
+                  <a:rPr lang="pt-BR" sz="3200" dirty="0"/>
+                  <a:t> de campo, pode-se considerar que:</a:t>
                 </a:r>
               </a:p>
               <a:p>
@@ -31158,7 +31294,7 @@
             </p:txBody>
           </p:sp>
         </mc:Choice>
-        <mc:Fallback xmlns="">
+        <mc:Fallback>
           <p:sp>
             <p:nvSpPr>
               <p:cNvPr id="6" name="CaixaDeTexto 5"/>
@@ -31175,7 +31311,7 @@
               <a:prstGeom prst="rect">
                 <a:avLst/>
               </a:prstGeom>
-              <a:blipFill rotWithShape="1">
+              <a:blipFill>
                 <a:blip r:embed="rId3"/>
                 <a:stretch>
                   <a:fillRect l="-1778" t="-1967" r="-1849" b="-4236"/>
@@ -31271,14 +31407,16 @@
           </a:xfrm>
         </p:spPr>
         <p:txBody>
-          <a:bodyPr/>
+          <a:bodyPr>
+            <a:normAutofit/>
+          </a:bodyPr>
           <a:lstStyle/>
           <a:p>
             <a:pPr marL="0" indent="0" algn="just">
               <a:buNone/>
             </a:pPr>
             <a:r>
-              <a:rPr lang="pt-BR" dirty="0"/>
+              <a:rPr lang="pt-BR" sz="2800" dirty="0"/>
               <a:t>1) Suponhamos um experimento de alimentação de cabras em que se usaram quatro rações (A, B, C, D), cada uma fornecida a cinco animais escolhidos ao acaso. O aumento de peso observado, em Kg, constam na tabela:</a:t>
             </a:r>
           </a:p>
@@ -31293,13 +31431,13 @@
           <p:nvPr>
             <p:extLst>
               <p:ext uri="{D42A27DB-BD31-4B8C-83A1-F6EECF244321}">
-                <p14:modId xmlns:p14="http://schemas.microsoft.com/office/powerpoint/2010/main" val="4103190517"/>
+                <p14:modId xmlns:p14="http://schemas.microsoft.com/office/powerpoint/2010/main" val="3281225802"/>
               </p:ext>
             </p:extLst>
           </p:nvPr>
         </p:nvGraphicFramePr>
         <p:xfrm>
-          <a:off x="1835696" y="3573016"/>
+          <a:off x="2868488" y="2852936"/>
           <a:ext cx="6096000" cy="2966720"/>
         </p:xfrm>
         <a:graphic>
@@ -31414,9 +31552,149 @@
                     <a:bodyPr/>
                     <a:lstStyle/>
                     <a:p>
+                      <a:pPr algn="ctr"/>
                       <a:r>
                         <a:rPr lang="pt-BR" dirty="0"/>
                         <a:t>A</a:t>
+                      </a:r>
+                    </a:p>
+                  </a:txBody>
+                  <a:tcPr>
+                    <a:lnT w="12700" cap="flat" cmpd="sng" algn="ctr">
+                      <a:solidFill>
+                        <a:schemeClr val="tx1"/>
+                      </a:solidFill>
+                      <a:prstDash val="solid"/>
+                      <a:round/>
+                      <a:headEnd type="none" w="med" len="med"/>
+                      <a:tailEnd type="none" w="med" len="med"/>
+                    </a:lnT>
+                    <a:lnB w="12700" cap="flat" cmpd="sng" algn="ctr">
+                      <a:solidFill>
+                        <a:schemeClr val="tx1"/>
+                      </a:solidFill>
+                      <a:prstDash val="solid"/>
+                      <a:round/>
+                      <a:headEnd type="none" w="med" len="med"/>
+                      <a:tailEnd type="none" w="med" len="med"/>
+                    </a:lnB>
+                  </a:tcPr>
+                </a:tc>
+                <a:tc>
+                  <a:txBody>
+                    <a:bodyPr/>
+                    <a:lstStyle/>
+                    <a:p>
+                      <a:pPr algn="ctr"/>
+                      <a:r>
+                        <a:rPr lang="pt-BR" dirty="0"/>
+                        <a:t>B</a:t>
+                      </a:r>
+                    </a:p>
+                  </a:txBody>
+                  <a:tcPr>
+                    <a:lnT w="12700" cap="flat" cmpd="sng" algn="ctr">
+                      <a:solidFill>
+                        <a:schemeClr val="tx1"/>
+                      </a:solidFill>
+                      <a:prstDash val="solid"/>
+                      <a:round/>
+                      <a:headEnd type="none" w="med" len="med"/>
+                      <a:tailEnd type="none" w="med" len="med"/>
+                    </a:lnT>
+                    <a:lnB w="12700" cap="flat" cmpd="sng" algn="ctr">
+                      <a:solidFill>
+                        <a:schemeClr val="tx1"/>
+                      </a:solidFill>
+                      <a:prstDash val="solid"/>
+                      <a:round/>
+                      <a:headEnd type="none" w="med" len="med"/>
+                      <a:tailEnd type="none" w="med" len="med"/>
+                    </a:lnB>
+                  </a:tcPr>
+                </a:tc>
+                <a:tc>
+                  <a:txBody>
+                    <a:bodyPr/>
+                    <a:lstStyle/>
+                    <a:p>
+                      <a:pPr algn="ctr"/>
+                      <a:r>
+                        <a:rPr lang="pt-BR" dirty="0"/>
+                        <a:t>C</a:t>
+                      </a:r>
+                    </a:p>
+                  </a:txBody>
+                  <a:tcPr>
+                    <a:lnT w="12700" cap="flat" cmpd="sng" algn="ctr">
+                      <a:solidFill>
+                        <a:schemeClr val="tx1"/>
+                      </a:solidFill>
+                      <a:prstDash val="solid"/>
+                      <a:round/>
+                      <a:headEnd type="none" w="med" len="med"/>
+                      <a:tailEnd type="none" w="med" len="med"/>
+                    </a:lnT>
+                    <a:lnB w="12700" cap="flat" cmpd="sng" algn="ctr">
+                      <a:solidFill>
+                        <a:schemeClr val="tx1"/>
+                      </a:solidFill>
+                      <a:prstDash val="solid"/>
+                      <a:round/>
+                      <a:headEnd type="none" w="med" len="med"/>
+                      <a:tailEnd type="none" w="med" len="med"/>
+                    </a:lnB>
+                  </a:tcPr>
+                </a:tc>
+                <a:tc>
+                  <a:txBody>
+                    <a:bodyPr/>
+                    <a:lstStyle/>
+                    <a:p>
+                      <a:pPr algn="ctr"/>
+                      <a:r>
+                        <a:rPr lang="pt-BR" dirty="0"/>
+                        <a:t>D</a:t>
+                      </a:r>
+                    </a:p>
+                  </a:txBody>
+                  <a:tcPr>
+                    <a:lnT w="12700" cap="flat" cmpd="sng" algn="ctr">
+                      <a:solidFill>
+                        <a:schemeClr val="tx1"/>
+                      </a:solidFill>
+                      <a:prstDash val="solid"/>
+                      <a:round/>
+                      <a:headEnd type="none" w="med" len="med"/>
+                      <a:tailEnd type="none" w="med" len="med"/>
+                    </a:lnT>
+                    <a:lnB w="12700" cap="flat" cmpd="sng" algn="ctr">
+                      <a:solidFill>
+                        <a:schemeClr val="tx1"/>
+                      </a:solidFill>
+                      <a:prstDash val="solid"/>
+                      <a:round/>
+                      <a:headEnd type="none" w="med" len="med"/>
+                      <a:tailEnd type="none" w="med" len="med"/>
+                    </a:lnB>
+                  </a:tcPr>
+                </a:tc>
+                <a:extLst>
+                  <a:ext uri="{0D108BD9-81ED-4DB2-BD59-A6C34878D82A}">
+                    <a16:rowId xmlns:a16="http://schemas.microsoft.com/office/drawing/2014/main" val="10001"/>
+                  </a:ext>
+                </a:extLst>
+              </a:tr>
+              <a:tr h="370840">
+                <a:tc>
+                  <a:txBody>
+                    <a:bodyPr/>
+                    <a:lstStyle/>
+                    <a:p>
+                      <a:pPr algn="ctr"/>
+                      <a:r>
+                        <a:rPr lang="pt-BR" dirty="0"/>
+                        <a:t>35</a:t>
                       </a:r>
                     </a:p>
                   </a:txBody>
@@ -31437,9 +31715,10 @@
                     <a:bodyPr/>
                     <a:lstStyle/>
                     <a:p>
+                      <a:pPr algn="ctr"/>
                       <a:r>
                         <a:rPr lang="pt-BR" dirty="0"/>
-                        <a:t>B</a:t>
+                        <a:t>40</a:t>
                       </a:r>
                     </a:p>
                   </a:txBody>
@@ -31460,9 +31739,10 @@
                     <a:bodyPr/>
                     <a:lstStyle/>
                     <a:p>
+                      <a:pPr algn="ctr"/>
                       <a:r>
                         <a:rPr lang="pt-BR" dirty="0"/>
-                        <a:t>C</a:t>
+                        <a:t>39</a:t>
                       </a:r>
                     </a:p>
                   </a:txBody>
@@ -31483,9 +31763,10 @@
                     <a:bodyPr/>
                     <a:lstStyle/>
                     <a:p>
+                      <a:pPr algn="ctr"/>
                       <a:r>
                         <a:rPr lang="pt-BR" dirty="0"/>
-                        <a:t>D</a:t>
+                        <a:t>27</a:t>
                       </a:r>
                     </a:p>
                   </a:txBody>
@@ -31503,7 +31784,7 @@
                 </a:tc>
                 <a:extLst>
                   <a:ext uri="{0D108BD9-81ED-4DB2-BD59-A6C34878D82A}">
-                    <a16:rowId xmlns:a16="http://schemas.microsoft.com/office/drawing/2014/main" val="10001"/>
+                    <a16:rowId xmlns:a16="http://schemas.microsoft.com/office/drawing/2014/main" val="10002"/>
                   </a:ext>
                 </a:extLst>
               </a:tr>
@@ -31513,6 +31794,21 @@
                     <a:bodyPr/>
                     <a:lstStyle/>
                     <a:p>
+                      <a:pPr algn="ctr"/>
+                      <a:r>
+                        <a:rPr lang="pt-BR" dirty="0"/>
+                        <a:t>19</a:t>
+                      </a:r>
+                    </a:p>
+                  </a:txBody>
+                  <a:tcPr/>
+                </a:tc>
+                <a:tc>
+                  <a:txBody>
+                    <a:bodyPr/>
+                    <a:lstStyle/>
+                    <a:p>
+                      <a:pPr algn="ctr"/>
                       <a:r>
                         <a:rPr lang="pt-BR" dirty="0"/>
                         <a:t>35</a:t>
@@ -31526,78 +31822,7 @@
                     <a:bodyPr/>
                     <a:lstStyle/>
                     <a:p>
-                      <a:r>
-                        <a:rPr lang="pt-BR" dirty="0"/>
-                        <a:t>40</a:t>
-                      </a:r>
-                    </a:p>
-                  </a:txBody>
-                  <a:tcPr/>
-                </a:tc>
-                <a:tc>
-                  <a:txBody>
-                    <a:bodyPr/>
-                    <a:lstStyle/>
-                    <a:p>
-                      <a:r>
-                        <a:rPr lang="pt-BR" dirty="0"/>
-                        <a:t>39</a:t>
-                      </a:r>
-                    </a:p>
-                  </a:txBody>
-                  <a:tcPr/>
-                </a:tc>
-                <a:tc>
-                  <a:txBody>
-                    <a:bodyPr/>
-                    <a:lstStyle/>
-                    <a:p>
-                      <a:r>
-                        <a:rPr lang="pt-BR" dirty="0"/>
-                        <a:t>27</a:t>
-                      </a:r>
-                    </a:p>
-                  </a:txBody>
-                  <a:tcPr/>
-                </a:tc>
-                <a:extLst>
-                  <a:ext uri="{0D108BD9-81ED-4DB2-BD59-A6C34878D82A}">
-                    <a16:rowId xmlns:a16="http://schemas.microsoft.com/office/drawing/2014/main" val="10002"/>
-                  </a:ext>
-                </a:extLst>
-              </a:tr>
-              <a:tr h="370840">
-                <a:tc>
-                  <a:txBody>
-                    <a:bodyPr/>
-                    <a:lstStyle/>
-                    <a:p>
-                      <a:r>
-                        <a:rPr lang="pt-BR" dirty="0"/>
-                        <a:t>19</a:t>
-                      </a:r>
-                    </a:p>
-                  </a:txBody>
-                  <a:tcPr/>
-                </a:tc>
-                <a:tc>
-                  <a:txBody>
-                    <a:bodyPr/>
-                    <a:lstStyle/>
-                    <a:p>
-                      <a:r>
-                        <a:rPr lang="pt-BR" dirty="0"/>
-                        <a:t>35</a:t>
-                      </a:r>
-                    </a:p>
-                  </a:txBody>
-                  <a:tcPr/>
-                </a:tc>
-                <a:tc>
-                  <a:txBody>
-                    <a:bodyPr/>
-                    <a:lstStyle/>
-                    <a:p>
+                      <a:pPr algn="ctr"/>
                       <a:r>
                         <a:rPr lang="pt-BR" dirty="0"/>
                         <a:t>27</a:t>
@@ -31611,6 +31836,7 @@
                     <a:bodyPr/>
                     <a:lstStyle/>
                     <a:p>
+                      <a:pPr algn="ctr"/>
                       <a:r>
                         <a:rPr lang="pt-BR" dirty="0"/>
                         <a:t>12</a:t>
@@ -31631,6 +31857,7 @@
                     <a:bodyPr/>
                     <a:lstStyle/>
                     <a:p>
+                      <a:pPr algn="ctr"/>
                       <a:r>
                         <a:rPr lang="pt-BR" dirty="0"/>
                         <a:t>31</a:t>
@@ -31644,6 +31871,7 @@
                     <a:bodyPr/>
                     <a:lstStyle/>
                     <a:p>
+                      <a:pPr algn="ctr"/>
                       <a:r>
                         <a:rPr lang="pt-BR" dirty="0"/>
                         <a:t>46</a:t>
@@ -31657,6 +31885,7 @@
                     <a:bodyPr/>
                     <a:lstStyle/>
                     <a:p>
+                      <a:pPr algn="ctr"/>
                       <a:r>
                         <a:rPr lang="pt-BR" dirty="0"/>
                         <a:t>20</a:t>
@@ -31670,6 +31899,7 @@
                     <a:bodyPr/>
                     <a:lstStyle/>
                     <a:p>
+                      <a:pPr algn="ctr"/>
                       <a:r>
                         <a:rPr lang="pt-BR" dirty="0"/>
                         <a:t>13</a:t>
@@ -31690,6 +31920,7 @@
                     <a:bodyPr/>
                     <a:lstStyle/>
                     <a:p>
+                      <a:pPr algn="ctr"/>
                       <a:r>
                         <a:rPr lang="pt-BR" dirty="0"/>
                         <a:t>15</a:t>
@@ -31703,6 +31934,7 @@
                     <a:bodyPr/>
                     <a:lstStyle/>
                     <a:p>
+                      <a:pPr algn="ctr"/>
                       <a:r>
                         <a:rPr lang="pt-BR" dirty="0"/>
                         <a:t>41</a:t>
@@ -31716,6 +31948,7 @@
                     <a:bodyPr/>
                     <a:lstStyle/>
                     <a:p>
+                      <a:pPr algn="ctr"/>
                       <a:r>
                         <a:rPr lang="pt-BR" dirty="0"/>
                         <a:t>29</a:t>
@@ -31729,6 +31962,7 @@
                     <a:bodyPr/>
                     <a:lstStyle/>
                     <a:p>
+                      <a:pPr algn="ctr"/>
                       <a:r>
                         <a:rPr lang="pt-BR" dirty="0"/>
                         <a:t>28</a:t>
@@ -31749,6 +31983,7 @@
                     <a:bodyPr/>
                     <a:lstStyle/>
                     <a:p>
+                      <a:pPr algn="ctr"/>
                       <a:r>
                         <a:rPr lang="pt-BR" dirty="0"/>
                         <a:t>30</a:t>
@@ -31772,6 +32007,7 @@
                     <a:bodyPr/>
                     <a:lstStyle/>
                     <a:p>
+                      <a:pPr algn="ctr"/>
                       <a:r>
                         <a:rPr lang="pt-BR" dirty="0"/>
                         <a:t>33</a:t>
@@ -31795,6 +32031,7 @@
                     <a:bodyPr/>
                     <a:lstStyle/>
                     <a:p>
+                      <a:pPr algn="ctr"/>
                       <a:r>
                         <a:rPr lang="pt-BR" dirty="0"/>
                         <a:t>45</a:t>
@@ -31818,6 +32055,7 @@
                     <a:bodyPr/>
                     <a:lstStyle/>
                     <a:p>
+                      <a:pPr algn="ctr"/>
                       <a:r>
                         <a:rPr lang="pt-BR" dirty="0"/>
                         <a:t>30</a:t>
@@ -31848,6 +32086,7 @@
                     <a:bodyPr/>
                     <a:lstStyle/>
                     <a:p>
+                      <a:pPr algn="ctr"/>
                       <a:r>
                         <a:rPr lang="pt-BR" dirty="0"/>
                         <a:t>130</a:t>
@@ -31880,6 +32119,7 @@
                     <a:bodyPr/>
                     <a:lstStyle/>
                     <a:p>
+                      <a:pPr algn="ctr"/>
                       <a:r>
                         <a:rPr lang="pt-BR" dirty="0"/>
                         <a:t>195</a:t>
@@ -31912,6 +32152,7 @@
                     <a:bodyPr/>
                     <a:lstStyle/>
                     <a:p>
+                      <a:pPr algn="ctr"/>
                       <a:r>
                         <a:rPr lang="pt-BR" dirty="0"/>
                         <a:t>160</a:t>
@@ -31944,6 +32185,7 @@
                     <a:bodyPr/>
                     <a:lstStyle/>
                     <a:p>
+                      <a:pPr algn="ctr"/>
                       <a:r>
                         <a:rPr lang="pt-BR" dirty="0"/>
                         <a:t>110</a:t>
@@ -31981,6 +32223,42 @@
           </a:graphicData>
         </a:graphic>
       </p:graphicFrame>
+      <p:pic>
+        <p:nvPicPr>
+          <p:cNvPr id="6" name="Imagem 5">
+            <a:extLst>
+              <a:ext uri="{FF2B5EF4-FFF2-40B4-BE49-F238E27FC236}">
+                <a16:creationId xmlns:a16="http://schemas.microsoft.com/office/drawing/2014/main" id="{E520A6AD-13C3-4AE0-8E32-CF096D655A0E}"/>
+              </a:ext>
+            </a:extLst>
+          </p:cNvPr>
+          <p:cNvPicPr>
+            <a:picLocks noChangeAspect="1"/>
+          </p:cNvPicPr>
+          <p:nvPr/>
+        </p:nvPicPr>
+        <p:blipFill>
+          <a:blip r:embed="rId2">
+            <a:extLst>
+              <a:ext uri="{28A0092B-C50C-407E-A947-70E740481C1C}">
+                <a14:useLocalDpi xmlns:a14="http://schemas.microsoft.com/office/drawing/2010/main" val="0"/>
+              </a:ext>
+            </a:extLst>
+          </a:blip>
+          <a:stretch>
+            <a:fillRect/>
+          </a:stretch>
+        </p:blipFill>
+        <p:spPr>
+          <a:xfrm>
+            <a:off x="111684" y="3717032"/>
+            <a:ext cx="2816320" cy="1874133"/>
+          </a:xfrm>
+          <a:prstGeom prst="rect">
+            <a:avLst/>
+          </a:prstGeom>
+        </p:spPr>
+      </p:pic>
     </p:spTree>
     <p:extLst>
       <p:ext uri="{BB962C8B-B14F-4D97-AF65-F5344CB8AC3E}">
@@ -32028,19 +32306,17 @@
           </a:xfrm>
         </p:spPr>
         <p:txBody>
-          <a:bodyPr/>
+          <a:bodyPr>
+            <a:normAutofit/>
+          </a:bodyPr>
           <a:lstStyle/>
           <a:p>
             <a:pPr marL="0" indent="0" algn="just">
               <a:buNone/>
             </a:pPr>
             <a:r>
-              <a:rPr lang="pt-BR" dirty="0"/>
-              <a:t>2) </a:t>
-            </a:r>
-            <a:r>
               <a:rPr lang="pt-BR" sz="2800" dirty="0"/>
-              <a:t>Dois tratamentos foram estudados (Feno alfafa e feno quicuio) para alimentação de leitoas </a:t>
+              <a:t>2) Dois tratamentos foram estudados (Feno alfafa e feno quicuio) para alimentação de leitoas </a:t>
             </a:r>
             <a:r>
               <a:rPr lang="pt-BR" sz="2800" dirty="0" err="1"/>
@@ -32089,14 +32365,14 @@
           <p:nvPr>
             <p:extLst>
               <p:ext uri="{D42A27DB-BD31-4B8C-83A1-F6EECF244321}">
-                <p14:modId xmlns:p14="http://schemas.microsoft.com/office/powerpoint/2010/main" val="1280612341"/>
+                <p14:modId xmlns:p14="http://schemas.microsoft.com/office/powerpoint/2010/main" val="3746473162"/>
               </p:ext>
             </p:extLst>
           </p:nvPr>
         </p:nvGraphicFramePr>
         <p:xfrm>
-          <a:off x="1763688" y="3717032"/>
-          <a:ext cx="6096000" cy="1854200"/>
+          <a:off x="3275856" y="3645024"/>
+          <a:ext cx="5879976" cy="1854200"/>
         </p:xfrm>
         <a:graphic>
           <a:graphicData uri="http://schemas.openxmlformats.org/drawingml/2006/table">
@@ -32105,14 +32381,14 @@
                 <a:tableStyleId>{2D5ABB26-0587-4C30-8999-92F81FD0307C}</a:tableStyleId>
               </a:tblPr>
               <a:tblGrid>
-                <a:gridCol w="3048000">
+                <a:gridCol w="2939988">
                   <a:extLst>
                     <a:ext uri="{9D8B030D-6E8A-4147-A177-3AD203B41FA5}">
                       <a16:colId xmlns:a16="http://schemas.microsoft.com/office/drawing/2014/main" val="20000"/>
                     </a:ext>
                   </a:extLst>
                 </a:gridCol>
-                <a:gridCol w="3048000">
+                <a:gridCol w="2939988">
                   <a:extLst>
                     <a:ext uri="{9D8B030D-6E8A-4147-A177-3AD203B41FA5}">
                       <a16:colId xmlns:a16="http://schemas.microsoft.com/office/drawing/2014/main" val="20001"/>
@@ -32477,6 +32753,42 @@
           </a:p>
         </p:txBody>
       </p:sp>
+      <p:pic>
+        <p:nvPicPr>
+          <p:cNvPr id="8" name="Imagem 7">
+            <a:extLst>
+              <a:ext uri="{FF2B5EF4-FFF2-40B4-BE49-F238E27FC236}">
+                <a16:creationId xmlns:a16="http://schemas.microsoft.com/office/drawing/2014/main" id="{88A1835B-7631-45E2-9100-C84A2859029F}"/>
+              </a:ext>
+            </a:extLst>
+          </p:cNvPr>
+          <p:cNvPicPr>
+            <a:picLocks noChangeAspect="1"/>
+          </p:cNvPicPr>
+          <p:nvPr/>
+        </p:nvPicPr>
+        <p:blipFill>
+          <a:blip r:embed="rId2" cstate="print">
+            <a:extLst>
+              <a:ext uri="{28A0092B-C50C-407E-A947-70E740481C1C}">
+                <a14:useLocalDpi xmlns:a14="http://schemas.microsoft.com/office/drawing/2010/main" val="0"/>
+              </a:ext>
+            </a:extLst>
+          </a:blip>
+          <a:stretch>
+            <a:fillRect/>
+          </a:stretch>
+        </p:blipFill>
+        <p:spPr>
+          <a:xfrm>
+            <a:off x="179512" y="3593765"/>
+            <a:ext cx="2990835" cy="1997451"/>
+          </a:xfrm>
+          <a:prstGeom prst="rect">
+            <a:avLst/>
+          </a:prstGeom>
+        </p:spPr>
+      </p:pic>
     </p:spTree>
     <p:extLst>
       <p:ext uri="{BB962C8B-B14F-4D97-AF65-F5344CB8AC3E}">
@@ -34310,227 +34622,6 @@
             <p:ph type="title"/>
           </p:nvPr>
         </p:nvSpPr>
-        <p:spPr/>
-        <p:txBody>
-          <a:bodyPr/>
-          <a:lstStyle/>
-          <a:p>
-            <a:r>
-              <a:rPr lang="pt-BR" dirty="0"/>
-              <a:t>Referências</a:t>
-            </a:r>
-          </a:p>
-        </p:txBody>
-      </p:sp>
-      <p:sp>
-        <p:nvSpPr>
-          <p:cNvPr id="3" name="Espaço Reservado para Conteúdo 2"/>
-          <p:cNvSpPr>
-            <a:spLocks noGrp="1"/>
-          </p:cNvSpPr>
-          <p:nvPr>
-            <p:ph idx="1"/>
-          </p:nvPr>
-        </p:nvSpPr>
-        <p:spPr>
-          <a:xfrm>
-            <a:off x="457200" y="1600200"/>
-            <a:ext cx="8229600" cy="4983162"/>
-          </a:xfrm>
-        </p:spPr>
-        <p:txBody>
-          <a:bodyPr>
-            <a:normAutofit fontScale="85000" lnSpcReduction="20000"/>
-          </a:bodyPr>
-          <a:lstStyle/>
-          <a:p>
-            <a:pPr marL="0" indent="0" algn="just">
-              <a:buNone/>
-            </a:pPr>
-            <a:r>
-              <a:rPr lang="en-US" dirty="0"/>
-              <a:t>BANZATO, D. A.; KRONKA, S. N. </a:t>
-            </a:r>
-            <a:r>
-              <a:rPr lang="en-US" dirty="0" err="1"/>
-              <a:t>Experimentação</a:t>
-            </a:r>
-            <a:r>
-              <a:rPr lang="en-US" dirty="0"/>
-              <a:t> </a:t>
-            </a:r>
-            <a:r>
-              <a:rPr lang="en-US" dirty="0" err="1"/>
-              <a:t>agrícola</a:t>
-            </a:r>
-            <a:r>
-              <a:rPr lang="en-US" dirty="0"/>
-              <a:t>. 4. ed. </a:t>
-            </a:r>
-            <a:r>
-              <a:rPr lang="en-US" dirty="0" err="1"/>
-              <a:t>Jaboticabal</a:t>
-            </a:r>
-            <a:r>
-              <a:rPr lang="en-US" dirty="0"/>
-              <a:t>: </a:t>
-            </a:r>
-            <a:r>
-              <a:rPr lang="en-US" dirty="0" err="1"/>
-              <a:t>Funep</a:t>
-            </a:r>
-            <a:r>
-              <a:rPr lang="en-US" dirty="0"/>
-              <a:t>, 2013.</a:t>
-            </a:r>
-          </a:p>
-          <a:p>
-            <a:pPr marL="0" indent="0" algn="just">
-              <a:buNone/>
-            </a:pPr>
-            <a:endParaRPr lang="en-US" dirty="0"/>
-          </a:p>
-          <a:p>
-            <a:pPr marL="0" indent="0" algn="just">
-              <a:buNone/>
-            </a:pPr>
-            <a:r>
-              <a:rPr lang="en-US" dirty="0"/>
-              <a:t>BARBIN, D. </a:t>
-            </a:r>
-            <a:r>
-              <a:rPr lang="en-US" dirty="0" err="1"/>
-              <a:t>Planejamento</a:t>
-            </a:r>
-            <a:r>
-              <a:rPr lang="en-US" dirty="0"/>
-              <a:t> e </a:t>
-            </a:r>
-            <a:r>
-              <a:rPr lang="en-US" dirty="0" err="1"/>
-              <a:t>análise</a:t>
-            </a:r>
-            <a:r>
-              <a:rPr lang="en-US" dirty="0"/>
-              <a:t> </a:t>
-            </a:r>
-            <a:r>
-              <a:rPr lang="en-US" dirty="0" err="1"/>
-              <a:t>estatística</a:t>
-            </a:r>
-            <a:r>
-              <a:rPr lang="en-US" dirty="0"/>
-              <a:t> de </a:t>
-            </a:r>
-            <a:r>
-              <a:rPr lang="en-US" dirty="0" err="1"/>
-              <a:t>experimentos</a:t>
-            </a:r>
-            <a:r>
-              <a:rPr lang="en-US" dirty="0"/>
-              <a:t> </a:t>
-            </a:r>
-            <a:r>
-              <a:rPr lang="en-US" dirty="0" err="1"/>
-              <a:t>agronômicos</a:t>
-            </a:r>
-            <a:r>
-              <a:rPr lang="en-US" dirty="0"/>
-              <a:t>. 2 ed. Londrina: </a:t>
-            </a:r>
-            <a:r>
-              <a:rPr lang="en-US" dirty="0" err="1"/>
-              <a:t>Mecenas</a:t>
-            </a:r>
-            <a:r>
-              <a:rPr lang="en-US" dirty="0"/>
-              <a:t>, 2013. </a:t>
-            </a:r>
-          </a:p>
-          <a:p>
-            <a:pPr marL="0" indent="0" algn="just">
-              <a:buNone/>
-            </a:pPr>
-            <a:endParaRPr lang="en-US" dirty="0"/>
-          </a:p>
-          <a:p>
-            <a:pPr marL="0" indent="0" algn="just">
-              <a:buNone/>
-            </a:pPr>
-            <a:r>
-              <a:rPr lang="en-US" dirty="0"/>
-              <a:t>HINKELMANN, K.; KEMPTHORNE, O. Design and analysis of experiments. 2. ed. New York: John Wiley, 2008. </a:t>
-            </a:r>
-          </a:p>
-          <a:p>
-            <a:pPr marL="0" indent="0" algn="just">
-              <a:buNone/>
-            </a:pPr>
-            <a:endParaRPr lang="en-US" dirty="0"/>
-          </a:p>
-          <a:p>
-            <a:pPr marL="0" indent="0" algn="just">
-              <a:buNone/>
-            </a:pPr>
-            <a:r>
-              <a:rPr lang="en-US" dirty="0"/>
-              <a:t>MONTGOMERY, D. C. Design and analysis of experiments. 8. ed. Hoboken: John Wiley &amp; Sons, 2013. </a:t>
-            </a:r>
-          </a:p>
-          <a:p>
-            <a:pPr marL="0" indent="0" algn="just">
-              <a:buNone/>
-            </a:pPr>
-            <a:endParaRPr lang="en-US" dirty="0"/>
-          </a:p>
-          <a:p>
-            <a:pPr marL="0" indent="0" algn="just">
-              <a:buNone/>
-            </a:pPr>
-            <a:endParaRPr lang="pt-BR" dirty="0"/>
-          </a:p>
-        </p:txBody>
-      </p:sp>
-    </p:spTree>
-    <p:extLst>
-      <p:ext uri="{BB962C8B-B14F-4D97-AF65-F5344CB8AC3E}">
-        <p14:creationId xmlns:p14="http://schemas.microsoft.com/office/powerpoint/2010/main" val="160660698"/>
-      </p:ext>
-    </p:extLst>
-  </p:cSld>
-  <p:clrMapOvr>
-    <a:masterClrMapping/>
-  </p:clrMapOvr>
-</p:sld>
-</file>
-
-<file path=ppt/slides/slide41.xml><?xml version="1.0" encoding="utf-8"?>
-<p:sld xmlns:a="http://schemas.openxmlformats.org/drawingml/2006/main" xmlns:r="http://schemas.openxmlformats.org/officeDocument/2006/relationships" xmlns:p="http://schemas.openxmlformats.org/presentationml/2006/main">
-  <p:cSld>
-    <p:spTree>
-      <p:nvGrpSpPr>
-        <p:cNvPr id="1" name=""/>
-        <p:cNvGrpSpPr/>
-        <p:nvPr/>
-      </p:nvGrpSpPr>
-      <p:grpSpPr>
-        <a:xfrm>
-          <a:off x="0" y="0"/>
-          <a:ext cx="0" cy="0"/>
-          <a:chOff x="0" y="0"/>
-          <a:chExt cx="0" cy="0"/>
-        </a:xfrm>
-      </p:grpSpPr>
-      <p:sp>
-        <p:nvSpPr>
-          <p:cNvPr id="2" name="Título 1"/>
-          <p:cNvSpPr>
-            <a:spLocks noGrp="1"/>
-          </p:cNvSpPr>
-          <p:nvPr>
-            <p:ph type="title"/>
-          </p:nvPr>
-        </p:nvSpPr>
         <p:spPr>
           <a:xfrm>
             <a:off x="457200" y="2574032"/>
@@ -34571,7 +34662,7 @@
 </p:sld>
 </file>
 
-<file path=ppt/slides/slide42.xml><?xml version="1.0" encoding="utf-8"?>
+<file path=ppt/slides/slide41.xml><?xml version="1.0" encoding="utf-8"?>
 <p:sld xmlns:a="http://schemas.openxmlformats.org/drawingml/2006/main" xmlns:r="http://schemas.openxmlformats.org/officeDocument/2006/relationships" xmlns:p="http://schemas.openxmlformats.org/presentationml/2006/main">
   <p:cSld>
     <p:spTree>
@@ -34698,6 +34789,227 @@
     <p:extLst>
       <p:ext uri="{BB962C8B-B14F-4D97-AF65-F5344CB8AC3E}">
         <p14:creationId xmlns:p14="http://schemas.microsoft.com/office/powerpoint/2010/main" val="2112631081"/>
+      </p:ext>
+    </p:extLst>
+  </p:cSld>
+  <p:clrMapOvr>
+    <a:masterClrMapping/>
+  </p:clrMapOvr>
+</p:sld>
+</file>
+
+<file path=ppt/slides/slide42.xml><?xml version="1.0" encoding="utf-8"?>
+<p:sld xmlns:a="http://schemas.openxmlformats.org/drawingml/2006/main" xmlns:r="http://schemas.openxmlformats.org/officeDocument/2006/relationships" xmlns:p="http://schemas.openxmlformats.org/presentationml/2006/main">
+  <p:cSld>
+    <p:spTree>
+      <p:nvGrpSpPr>
+        <p:cNvPr id="1" name=""/>
+        <p:cNvGrpSpPr/>
+        <p:nvPr/>
+      </p:nvGrpSpPr>
+      <p:grpSpPr>
+        <a:xfrm>
+          <a:off x="0" y="0"/>
+          <a:ext cx="0" cy="0"/>
+          <a:chOff x="0" y="0"/>
+          <a:chExt cx="0" cy="0"/>
+        </a:xfrm>
+      </p:grpSpPr>
+      <p:sp>
+        <p:nvSpPr>
+          <p:cNvPr id="2" name="Título 1"/>
+          <p:cNvSpPr>
+            <a:spLocks noGrp="1"/>
+          </p:cNvSpPr>
+          <p:nvPr>
+            <p:ph type="title"/>
+          </p:nvPr>
+        </p:nvSpPr>
+        <p:spPr/>
+        <p:txBody>
+          <a:bodyPr/>
+          <a:lstStyle/>
+          <a:p>
+            <a:r>
+              <a:rPr lang="pt-BR" dirty="0"/>
+              <a:t>Referências</a:t>
+            </a:r>
+          </a:p>
+        </p:txBody>
+      </p:sp>
+      <p:sp>
+        <p:nvSpPr>
+          <p:cNvPr id="3" name="Espaço Reservado para Conteúdo 2"/>
+          <p:cNvSpPr>
+            <a:spLocks noGrp="1"/>
+          </p:cNvSpPr>
+          <p:nvPr>
+            <p:ph idx="1"/>
+          </p:nvPr>
+        </p:nvSpPr>
+        <p:spPr>
+          <a:xfrm>
+            <a:off x="457200" y="1600200"/>
+            <a:ext cx="8229600" cy="4983162"/>
+          </a:xfrm>
+        </p:spPr>
+        <p:txBody>
+          <a:bodyPr>
+            <a:normAutofit fontScale="85000" lnSpcReduction="20000"/>
+          </a:bodyPr>
+          <a:lstStyle/>
+          <a:p>
+            <a:pPr marL="0" indent="0" algn="just">
+              <a:buNone/>
+            </a:pPr>
+            <a:r>
+              <a:rPr lang="en-US" dirty="0"/>
+              <a:t>BANZATTO, D. A.; KRONKA, S. N. </a:t>
+            </a:r>
+            <a:r>
+              <a:rPr lang="en-US" dirty="0" err="1"/>
+              <a:t>Experimentação</a:t>
+            </a:r>
+            <a:r>
+              <a:rPr lang="en-US" dirty="0"/>
+              <a:t> </a:t>
+            </a:r>
+            <a:r>
+              <a:rPr lang="en-US" dirty="0" err="1"/>
+              <a:t>agrícola</a:t>
+            </a:r>
+            <a:r>
+              <a:rPr lang="en-US" dirty="0"/>
+              <a:t>. 4. ed. </a:t>
+            </a:r>
+            <a:r>
+              <a:rPr lang="en-US" dirty="0" err="1"/>
+              <a:t>Jaboticabal</a:t>
+            </a:r>
+            <a:r>
+              <a:rPr lang="en-US" dirty="0"/>
+              <a:t>: </a:t>
+            </a:r>
+            <a:r>
+              <a:rPr lang="en-US" dirty="0" err="1"/>
+              <a:t>Funep</a:t>
+            </a:r>
+            <a:r>
+              <a:rPr lang="en-US" dirty="0"/>
+              <a:t>, 2013.</a:t>
+            </a:r>
+          </a:p>
+          <a:p>
+            <a:pPr marL="0" indent="0" algn="just">
+              <a:buNone/>
+            </a:pPr>
+            <a:endParaRPr lang="en-US" dirty="0"/>
+          </a:p>
+          <a:p>
+            <a:pPr marL="0" indent="0" algn="just">
+              <a:buNone/>
+            </a:pPr>
+            <a:r>
+              <a:rPr lang="en-US" dirty="0"/>
+              <a:t>BARBIN, D. </a:t>
+            </a:r>
+            <a:r>
+              <a:rPr lang="en-US" dirty="0" err="1"/>
+              <a:t>Planejamento</a:t>
+            </a:r>
+            <a:r>
+              <a:rPr lang="en-US" dirty="0"/>
+              <a:t> e </a:t>
+            </a:r>
+            <a:r>
+              <a:rPr lang="en-US" dirty="0" err="1"/>
+              <a:t>análise</a:t>
+            </a:r>
+            <a:r>
+              <a:rPr lang="en-US" dirty="0"/>
+              <a:t> </a:t>
+            </a:r>
+            <a:r>
+              <a:rPr lang="en-US" dirty="0" err="1"/>
+              <a:t>estatística</a:t>
+            </a:r>
+            <a:r>
+              <a:rPr lang="en-US" dirty="0"/>
+              <a:t> de </a:t>
+            </a:r>
+            <a:r>
+              <a:rPr lang="en-US" dirty="0" err="1"/>
+              <a:t>experimentos</a:t>
+            </a:r>
+            <a:r>
+              <a:rPr lang="en-US" dirty="0"/>
+              <a:t> </a:t>
+            </a:r>
+            <a:r>
+              <a:rPr lang="en-US" dirty="0" err="1"/>
+              <a:t>agronômicos</a:t>
+            </a:r>
+            <a:r>
+              <a:rPr lang="en-US" dirty="0"/>
+              <a:t>. 2 ed. Londrina: </a:t>
+            </a:r>
+            <a:r>
+              <a:rPr lang="en-US" dirty="0" err="1"/>
+              <a:t>Mecenas</a:t>
+            </a:r>
+            <a:r>
+              <a:rPr lang="en-US" dirty="0"/>
+              <a:t>, 2013. </a:t>
+            </a:r>
+          </a:p>
+          <a:p>
+            <a:pPr marL="0" indent="0" algn="just">
+              <a:buNone/>
+            </a:pPr>
+            <a:endParaRPr lang="en-US" dirty="0"/>
+          </a:p>
+          <a:p>
+            <a:pPr marL="0" indent="0" algn="just">
+              <a:buNone/>
+            </a:pPr>
+            <a:r>
+              <a:rPr lang="en-US" dirty="0"/>
+              <a:t>HINKELMANN, K.; KEMPTHORNE, O. Design and analysis of experiments. 2. ed. New York: John Wiley, 2007. </a:t>
+            </a:r>
+          </a:p>
+          <a:p>
+            <a:pPr marL="0" indent="0" algn="just">
+              <a:buNone/>
+            </a:pPr>
+            <a:endParaRPr lang="en-US" dirty="0"/>
+          </a:p>
+          <a:p>
+            <a:pPr marL="0" indent="0" algn="just">
+              <a:buNone/>
+            </a:pPr>
+            <a:r>
+              <a:rPr lang="en-US" dirty="0"/>
+              <a:t>MONTGOMERY, D. C. Design and analysis of experiments. 8. ed. Hoboken: John Wiley &amp; Sons, 2012. </a:t>
+            </a:r>
+          </a:p>
+          <a:p>
+            <a:pPr marL="0" indent="0" algn="just">
+              <a:buNone/>
+            </a:pPr>
+            <a:endParaRPr lang="en-US" dirty="0"/>
+          </a:p>
+          <a:p>
+            <a:pPr marL="0" indent="0" algn="just">
+              <a:buNone/>
+            </a:pPr>
+            <a:endParaRPr lang="pt-BR" dirty="0"/>
+          </a:p>
+        </p:txBody>
+      </p:sp>
+    </p:spTree>
+    <p:extLst>
+      <p:ext uri="{BB962C8B-B14F-4D97-AF65-F5344CB8AC3E}">
+        <p14:creationId xmlns:p14="http://schemas.microsoft.com/office/powerpoint/2010/main" val="160660698"/>
       </p:ext>
     </p:extLst>
   </p:cSld>

--- a/DIC.pptx
+++ b/DIC.pptx
@@ -8039,8 +8039,8 @@
           </a:p>
         </p:txBody>
       </p:sp>
-      <mc:AlternateContent xmlns:mc="http://schemas.openxmlformats.org/markup-compatibility/2006">
-        <mc:Choice xmlns:a14="http://schemas.microsoft.com/office/drawing/2010/main" Requires="a14">
+      <mc:AlternateContent xmlns:mc="http://schemas.openxmlformats.org/markup-compatibility/2006" xmlns:a14="http://schemas.microsoft.com/office/drawing/2010/main">
+        <mc:Choice Requires="a14">
           <p:sp>
             <p:nvSpPr>
               <p:cNvPr id="5" name="CaixaDeTexto 4"/>
@@ -8186,7 +8186,7 @@
             </p:txBody>
           </p:sp>
         </mc:Choice>
-        <mc:Fallback>
+        <mc:Fallback xmlns="">
           <p:sp>
             <p:nvSpPr>
               <p:cNvPr id="5" name="CaixaDeTexto 4"/>
@@ -8225,8 +8225,8 @@
           </p:sp>
         </mc:Fallback>
       </mc:AlternateContent>
-      <mc:AlternateContent xmlns:mc="http://schemas.openxmlformats.org/markup-compatibility/2006">
-        <mc:Choice xmlns:a14="http://schemas.microsoft.com/office/drawing/2010/main" Requires="a14">
+      <mc:AlternateContent xmlns:mc="http://schemas.openxmlformats.org/markup-compatibility/2006" xmlns:a14="http://schemas.microsoft.com/office/drawing/2010/main">
+        <mc:Choice Requires="a14">
           <p:sp>
             <p:nvSpPr>
               <p:cNvPr id="6" name="CaixaDeTexto 5"/>
@@ -8467,7 +8467,7 @@
             </p:txBody>
           </p:sp>
         </mc:Choice>
-        <mc:Fallback>
+        <mc:Fallback xmlns="">
           <p:sp>
             <p:nvSpPr>
               <p:cNvPr id="6" name="CaixaDeTexto 5"/>
@@ -8506,8 +8506,8 @@
           </p:sp>
         </mc:Fallback>
       </mc:AlternateContent>
-      <mc:AlternateContent xmlns:mc="http://schemas.openxmlformats.org/markup-compatibility/2006">
-        <mc:Choice xmlns:a14="http://schemas.microsoft.com/office/drawing/2010/main" Requires="a14">
+      <mc:AlternateContent xmlns:mc="http://schemas.openxmlformats.org/markup-compatibility/2006" xmlns:a14="http://schemas.microsoft.com/office/drawing/2010/main">
+        <mc:Choice Requires="a14">
           <p:sp>
             <p:nvSpPr>
               <p:cNvPr id="7" name="CaixaDeTexto 6"/>
@@ -8594,7 +8594,7 @@
             </p:txBody>
           </p:sp>
         </mc:Choice>
-        <mc:Fallback>
+        <mc:Fallback xmlns="">
           <p:sp>
             <p:nvSpPr>
               <p:cNvPr id="7" name="CaixaDeTexto 6"/>
@@ -8633,8 +8633,8 @@
           </p:sp>
         </mc:Fallback>
       </mc:AlternateContent>
-      <mc:AlternateContent xmlns:mc="http://schemas.openxmlformats.org/markup-compatibility/2006">
-        <mc:Choice xmlns:a14="http://schemas.microsoft.com/office/drawing/2010/main" Requires="a14">
+      <mc:AlternateContent xmlns:mc="http://schemas.openxmlformats.org/markup-compatibility/2006" xmlns:a14="http://schemas.microsoft.com/office/drawing/2010/main">
+        <mc:Choice Requires="a14">
           <p:sp>
             <p:nvSpPr>
               <p:cNvPr id="8" name="CaixaDeTexto 7">
@@ -8707,7 +8707,7 @@
             </p:txBody>
           </p:sp>
         </mc:Choice>
-        <mc:Fallback>
+        <mc:Fallback xmlns="">
           <p:sp>
             <p:nvSpPr>
               <p:cNvPr id="8" name="CaixaDeTexto 7">
@@ -8928,8 +8928,8 @@
           </a:p>
         </p:txBody>
       </p:sp>
-      <mc:AlternateContent xmlns:mc="http://schemas.openxmlformats.org/markup-compatibility/2006">
-        <mc:Choice xmlns:a14="http://schemas.microsoft.com/office/drawing/2010/main" Requires="a14">
+      <mc:AlternateContent xmlns:mc="http://schemas.openxmlformats.org/markup-compatibility/2006" xmlns:a14="http://schemas.microsoft.com/office/drawing/2010/main">
+        <mc:Choice Requires="a14">
           <p:sp>
             <p:nvSpPr>
               <p:cNvPr id="7" name="Espaço Reservado para Conteúdo 2">
@@ -9332,7 +9332,7 @@
             </p:txBody>
           </p:sp>
         </mc:Choice>
-        <mc:Fallback>
+        <mc:Fallback xmlns="">
           <p:sp>
             <p:nvSpPr>
               <p:cNvPr id="7" name="Espaço Reservado para Conteúdo 2">
@@ -28542,8 +28542,8 @@
           <a:chExt cx="0" cy="0"/>
         </a:xfrm>
       </p:grpSpPr>
-      <mc:AlternateContent xmlns:mc="http://schemas.openxmlformats.org/markup-compatibility/2006" xmlns:a14="http://schemas.microsoft.com/office/drawing/2010/main">
-        <mc:Choice Requires="a14">
+      <mc:AlternateContent xmlns:mc="http://schemas.openxmlformats.org/markup-compatibility/2006">
+        <mc:Choice xmlns:a14="http://schemas.microsoft.com/office/drawing/2010/main" Requires="a14">
           <p:sp>
             <p:nvSpPr>
               <p:cNvPr id="4" name="CaixaDeTexto 3"/>
@@ -28553,7 +28553,7 @@
             <p:spPr>
               <a:xfrm>
                 <a:off x="395536" y="3429000"/>
-                <a:ext cx="8064896" cy="1972207"/>
+                <a:ext cx="8064896" cy="939937"/>
               </a:xfrm>
               <a:prstGeom prst="rect">
                 <a:avLst/>
@@ -28755,213 +28755,12 @@
                   <a:buFont typeface="Arial" pitchFamily="34" charset="0"/>
                   <a:buChar char="•"/>
                 </a:pPr>
-                <a14:m>
-                  <m:oMath xmlns:m="http://schemas.openxmlformats.org/officeDocument/2006/math">
-                    <m:sSub>
-                      <m:sSubPr>
-                        <m:ctrlPr>
-                          <a:rPr lang="pt-BR" sz="3200" i="1" dirty="0">
-                            <a:latin typeface="Cambria Math" panose="02040503050406030204" pitchFamily="18" charset="0"/>
-                          </a:rPr>
-                        </m:ctrlPr>
-                      </m:sSubPr>
-                      <m:e>
-                        <m:r>
-                          <a:rPr lang="pt-BR" sz="3200" i="1" dirty="0">
-                            <a:latin typeface="Cambria Math"/>
-                          </a:rPr>
-                          <m:t>𝐹</m:t>
-                        </m:r>
-                      </m:e>
-                      <m:sub>
-                        <m:r>
-                          <a:rPr lang="pt-BR" sz="3200" i="1" dirty="0">
-                            <a:latin typeface="Cambria Math"/>
-                          </a:rPr>
-                          <m:t>𝑡𝑎𝑏</m:t>
-                        </m:r>
-                      </m:sub>
-                    </m:sSub>
-                    <m:r>
-                      <a:rPr lang="pt-BR" sz="3200" i="1" dirty="0">
-                        <a:latin typeface="Cambria Math"/>
-                      </a:rPr>
-                      <m:t>=</m:t>
-                    </m:r>
-                    <m:sSub>
-                      <m:sSubPr>
-                        <m:ctrlPr>
-                          <a:rPr lang="pt-BR" sz="3200" i="1" dirty="0">
-                            <a:latin typeface="Cambria Math" panose="02040503050406030204" pitchFamily="18" charset="0"/>
-                          </a:rPr>
-                        </m:ctrlPr>
-                      </m:sSubPr>
-                      <m:e>
-                        <m:r>
-                          <a:rPr lang="pt-BR" sz="3200" i="1" dirty="0">
-                            <a:latin typeface="Cambria Math"/>
-                          </a:rPr>
-                          <m:t>𝐹</m:t>
-                        </m:r>
-                      </m:e>
-                      <m:sub>
-                        <m:r>
-                          <a:rPr lang="pt-BR" sz="3200" i="1" dirty="0">
-                            <a:latin typeface="Cambria Math"/>
-                          </a:rPr>
-                          <m:t>(</m:t>
-                        </m:r>
-                        <m:sSub>
-                          <m:sSubPr>
-                            <m:ctrlPr>
-                              <a:rPr lang="pt-BR" sz="3200" i="1" dirty="0">
-                                <a:latin typeface="Cambria Math" panose="02040503050406030204" pitchFamily="18" charset="0"/>
-                              </a:rPr>
-                            </m:ctrlPr>
-                          </m:sSubPr>
-                          <m:e>
-                            <m:r>
-                              <a:rPr lang="pt-BR" sz="3200" i="1" dirty="0">
-                                <a:latin typeface="Cambria Math"/>
-                              </a:rPr>
-                              <m:t>𝜈</m:t>
-                            </m:r>
-                          </m:e>
-                          <m:sub>
-                            <m:r>
-                              <a:rPr lang="pt-BR" sz="3200" i="1" dirty="0">
-                                <a:latin typeface="Cambria Math"/>
-                              </a:rPr>
-                              <m:t>1</m:t>
-                            </m:r>
-                          </m:sub>
-                        </m:sSub>
-                        <m:r>
-                          <a:rPr lang="pt-BR" sz="3200" i="1" dirty="0">
-                            <a:latin typeface="Cambria Math"/>
-                          </a:rPr>
-                          <m:t>;</m:t>
-                        </m:r>
-                        <m:sSub>
-                          <m:sSubPr>
-                            <m:ctrlPr>
-                              <a:rPr lang="pt-BR" sz="3200" i="1" dirty="0">
-                                <a:latin typeface="Cambria Math" panose="02040503050406030204" pitchFamily="18" charset="0"/>
-                              </a:rPr>
-                            </m:ctrlPr>
-                          </m:sSubPr>
-                          <m:e>
-                            <m:r>
-                              <a:rPr lang="pt-BR" sz="3200" i="1" dirty="0">
-                                <a:latin typeface="Cambria Math"/>
-                              </a:rPr>
-                              <m:t>𝜈</m:t>
-                            </m:r>
-                          </m:e>
-                          <m:sub>
-                            <m:r>
-                              <a:rPr lang="pt-BR" sz="3200" i="1" dirty="0">
-                                <a:latin typeface="Cambria Math"/>
-                              </a:rPr>
-                              <m:t>2</m:t>
-                            </m:r>
-                          </m:sub>
-                        </m:sSub>
-                        <m:r>
-                          <a:rPr lang="pt-BR" sz="3200" i="1" dirty="0">
-                            <a:latin typeface="Cambria Math"/>
-                          </a:rPr>
-                          <m:t>;</m:t>
-                        </m:r>
-                        <m:r>
-                          <a:rPr lang="pt-BR" sz="3200" i="1" dirty="0">
-                            <a:latin typeface="Cambria Math"/>
-                            <a:ea typeface="Cambria Math"/>
-                          </a:rPr>
-                          <m:t>𝛼</m:t>
-                        </m:r>
-                        <m:r>
-                          <a:rPr lang="pt-BR" sz="3200" i="1" dirty="0">
-                            <a:latin typeface="Cambria Math"/>
-                          </a:rPr>
-                          <m:t>)</m:t>
-                        </m:r>
-                      </m:sub>
-                    </m:sSub>
-                    <m:r>
-                      <a:rPr lang="pt-BR" sz="3200" dirty="0">
-                        <a:latin typeface="Cambria Math"/>
-                      </a:rPr>
-                      <m:t>=</m:t>
-                    </m:r>
-                    <m:sSub>
-                      <m:sSubPr>
-                        <m:ctrlPr>
-                          <a:rPr lang="pt-BR" sz="3200" i="1" dirty="0">
-                            <a:latin typeface="Cambria Math" panose="02040503050406030204" pitchFamily="18" charset="0"/>
-                          </a:rPr>
-                        </m:ctrlPr>
-                      </m:sSubPr>
-                      <m:e>
-                        <m:r>
-                          <a:rPr lang="pt-BR" sz="3200" i="1" dirty="0">
-                            <a:latin typeface="Cambria Math"/>
-                          </a:rPr>
-                          <m:t>𝐹</m:t>
-                        </m:r>
-                      </m:e>
-                      <m:sub>
-                        <m:r>
-                          <a:rPr lang="pt-BR" sz="3200" i="1" dirty="0">
-                            <a:latin typeface="Cambria Math"/>
-                          </a:rPr>
-                          <m:t>(4;20;</m:t>
-                        </m:r>
-                        <m:r>
-                          <a:rPr lang="pt-BR" sz="3200" b="0" i="1" dirty="0" smtClean="0">
-                            <a:latin typeface="Cambria Math"/>
-                          </a:rPr>
-                          <m:t>1</m:t>
-                        </m:r>
-                        <m:r>
-                          <a:rPr lang="pt-BR" sz="3200" i="1" dirty="0">
-                            <a:latin typeface="Cambria Math"/>
-                          </a:rPr>
-                          <m:t>%)</m:t>
-                        </m:r>
-                      </m:sub>
-                    </m:sSub>
-                    <m:r>
-                      <a:rPr lang="pt-BR" sz="3200" i="1" dirty="0">
-                        <a:latin typeface="Cambria Math"/>
-                      </a:rPr>
-                      <m:t>=</m:t>
-                    </m:r>
-                  </m:oMath>
-                </a14:m>
-                <a:r>
-                  <a:rPr lang="en-US" sz="3200" dirty="0"/>
-                  <a:t> 4,43</a:t>
-                </a:r>
-              </a:p>
-              <a:p>
-                <a:pPr marL="342900" indent="-342900">
-                  <a:buFont typeface="Arial" pitchFamily="34" charset="0"/>
-                  <a:buChar char="•"/>
-                </a:pPr>
-                <a:endParaRPr lang="en-US" sz="3200" dirty="0"/>
-              </a:p>
-              <a:p>
-                <a:pPr marL="342900" indent="-342900">
-                  <a:buFont typeface="Arial" pitchFamily="34" charset="0"/>
-                  <a:buChar char="•"/>
-                </a:pPr>
                 <a:endParaRPr lang="pt-BR" sz="2000" dirty="0"/>
               </a:p>
             </p:txBody>
           </p:sp>
         </mc:Choice>
-        <mc:Fallback xmlns="">
+        <mc:Fallback>
           <p:sp>
             <p:nvSpPr>
               <p:cNvPr id="4" name="CaixaDeTexto 3"/>
@@ -28973,12 +28772,12 @@
             <p:spPr>
               <a:xfrm>
                 <a:off x="395536" y="3429000"/>
-                <a:ext cx="8064896" cy="1972207"/>
+                <a:ext cx="8064896" cy="939937"/>
               </a:xfrm>
               <a:prstGeom prst="rect">
                 <a:avLst/>
               </a:prstGeom>
-              <a:blipFill rotWithShape="1">
+              <a:blipFill>
                 <a:blip r:embed="rId2"/>
                 <a:stretch>
                   <a:fillRect/>
@@ -29054,8 +28853,8 @@
           </a:p>
         </p:txBody>
       </p:sp>
-      <mc:AlternateContent xmlns:mc="http://schemas.openxmlformats.org/markup-compatibility/2006" xmlns:a14="http://schemas.microsoft.com/office/drawing/2010/main">
-        <mc:Choice Requires="a14">
+      <mc:AlternateContent xmlns:mc="http://schemas.openxmlformats.org/markup-compatibility/2006">
+        <mc:Choice xmlns:a14="http://schemas.microsoft.com/office/drawing/2010/main" Requires="a14">
           <p:graphicFrame>
             <p:nvGraphicFramePr>
               <p:cNvPr id="7" name="Tabela 6"/>
@@ -29065,7 +28864,7 @@
               <p:nvPr>
                 <p:extLst>
                   <p:ext uri="{D42A27DB-BD31-4B8C-83A1-F6EECF244321}">
-                    <p14:modId xmlns:p14="http://schemas.microsoft.com/office/powerpoint/2010/main" val="857697936"/>
+                    <p14:modId xmlns:p14="http://schemas.microsoft.com/office/powerpoint/2010/main" val="3830736850"/>
                   </p:ext>
                 </p:extLst>
               </p:nvPr>
@@ -29497,7 +29296,7 @@
                                       <a:rPr lang="pt-BR" b="0" i="1" smtClean="0">
                                         <a:latin typeface="Cambria Math"/>
                                       </a:rPr>
-                                      <m:t>∗∗</m:t>
+                                      <m:t>∗</m:t>
                                     </m:r>
                                   </m:sup>
                                 </m:sSup>
@@ -29888,7 +29687,7 @@
             </a:graphic>
           </p:graphicFrame>
         </mc:Choice>
-        <mc:Fallback xmlns="">
+        <mc:Fallback>
           <p:graphicFrame>
             <p:nvGraphicFramePr>
               <p:cNvPr id="7" name="Tabela 6"/>
@@ -29898,7 +29697,7 @@
               <p:nvPr>
                 <p:extLst>
                   <p:ext uri="{D42A27DB-BD31-4B8C-83A1-F6EECF244321}">
-                    <p14:modId xmlns:p14="http://schemas.microsoft.com/office/powerpoint/2010/main" val="857697936"/>
+                    <p14:modId xmlns:p14="http://schemas.microsoft.com/office/powerpoint/2010/main" val="3830736850"/>
                   </p:ext>
                 </p:extLst>
               </p:nvPr>
@@ -29914,11 +29713,41 @@
                     <a:tableStyleId>{2D5ABB26-0587-4C30-8999-92F81FD0307C}</a:tableStyleId>
                   </a:tblPr>
                   <a:tblGrid>
-                    <a:gridCol w="1681439"/>
-                    <a:gridCol w="1800200"/>
-                    <a:gridCol w="2286432"/>
-                    <a:gridCol w="1800200"/>
-                    <a:gridCol w="1368152"/>
+                    <a:gridCol w="1681439">
+                      <a:extLst>
+                        <a:ext uri="{9D8B030D-6E8A-4147-A177-3AD203B41FA5}">
+                          <a16:colId xmlns:a16="http://schemas.microsoft.com/office/drawing/2014/main" val="20000"/>
+                        </a:ext>
+                      </a:extLst>
+                    </a:gridCol>
+                    <a:gridCol w="1800200">
+                      <a:extLst>
+                        <a:ext uri="{9D8B030D-6E8A-4147-A177-3AD203B41FA5}">
+                          <a16:colId xmlns:a16="http://schemas.microsoft.com/office/drawing/2014/main" val="20001"/>
+                        </a:ext>
+                      </a:extLst>
+                    </a:gridCol>
+                    <a:gridCol w="2286432">
+                      <a:extLst>
+                        <a:ext uri="{9D8B030D-6E8A-4147-A177-3AD203B41FA5}">
+                          <a16:colId xmlns:a16="http://schemas.microsoft.com/office/drawing/2014/main" val="20002"/>
+                        </a:ext>
+                      </a:extLst>
+                    </a:gridCol>
+                    <a:gridCol w="1800200">
+                      <a:extLst>
+                        <a:ext uri="{9D8B030D-6E8A-4147-A177-3AD203B41FA5}">
+                          <a16:colId xmlns:a16="http://schemas.microsoft.com/office/drawing/2014/main" val="20003"/>
+                        </a:ext>
+                      </a:extLst>
+                    </a:gridCol>
+                    <a:gridCol w="1368152">
+                      <a:extLst>
+                        <a:ext uri="{9D8B030D-6E8A-4147-A177-3AD203B41FA5}">
+                          <a16:colId xmlns:a16="http://schemas.microsoft.com/office/drawing/2014/main" val="20004"/>
+                        </a:ext>
+                      </a:extLst>
+                    </a:gridCol>
                   </a:tblGrid>
                   <a:tr h="640080">
                     <a:tc>
@@ -29928,7 +29757,7 @@
                         <a:p>
                           <a:pPr algn="ctr"/>
                           <a:r>
-                            <a:rPr lang="pt-BR" dirty="0" smtClean="0"/>
+                            <a:rPr lang="pt-BR" dirty="0"/>
                             <a:t>Causa de variação</a:t>
                           </a:r>
                           <a:endParaRPr lang="en-US" dirty="0"/>
@@ -29962,7 +29791,7 @@
                         <a:p>
                           <a:pPr algn="ctr"/>
                           <a:r>
-                            <a:rPr lang="pt-BR" dirty="0" smtClean="0"/>
+                            <a:rPr lang="pt-BR" dirty="0"/>
                             <a:t>Graus de liberdade (GL)</a:t>
                           </a:r>
                           <a:endParaRPr lang="en-US" dirty="0"/>
@@ -29996,7 +29825,7 @@
                         <a:p>
                           <a:pPr algn="ctr"/>
                           <a:r>
-                            <a:rPr lang="pt-BR" dirty="0" smtClean="0"/>
+                            <a:rPr lang="pt-BR" dirty="0"/>
                             <a:t>Soma de quadrados (SQ)</a:t>
                           </a:r>
                           <a:endParaRPr lang="en-US" dirty="0"/>
@@ -30030,7 +29859,7 @@
                         <a:p>
                           <a:pPr algn="ctr"/>
                           <a:r>
-                            <a:rPr lang="pt-BR" dirty="0" smtClean="0"/>
+                            <a:rPr lang="pt-BR" dirty="0"/>
                             <a:t>Quadrados médios (QM)</a:t>
                           </a:r>
                           <a:endParaRPr lang="en-US" dirty="0"/>
@@ -30084,14 +29913,19 @@
                           <a:headEnd type="none" w="med" len="med"/>
                           <a:tailEnd type="none" w="med" len="med"/>
                         </a:lnB>
-                        <a:blipFill rotWithShape="1">
+                        <a:blipFill>
                           <a:blip r:embed="rId3"/>
                           <a:stretch>
-                            <a:fillRect l="-554464" t="-4762" r="-446" b="-188571"/>
+                            <a:fillRect l="-552000" t="-4762" r="-444" b="-188571"/>
                           </a:stretch>
                         </a:blipFill>
                       </a:tcPr>
                     </a:tc>
+                    <a:extLst>
+                      <a:ext uri="{0D108BD9-81ED-4DB2-BD59-A6C34878D82A}">
+                        <a16:rowId xmlns:a16="http://schemas.microsoft.com/office/drawing/2014/main" val="10000"/>
+                      </a:ext>
+                    </a:extLst>
                   </a:tr>
                   <a:tr h="370840">
                     <a:tc>
@@ -30100,7 +29934,7 @@
                         <a:lstStyle/>
                         <a:p>
                           <a:r>
-                            <a:rPr lang="pt-BR" dirty="0" smtClean="0"/>
+                            <a:rPr lang="pt-BR" dirty="0"/>
                             <a:t>Tratamentos</a:t>
                           </a:r>
                           <a:endParaRPr lang="en-US" dirty="0"/>
@@ -30125,7 +29959,7 @@
                         <a:p>
                           <a:pPr algn="ctr"/>
                           <a:r>
-                            <a:rPr lang="pt-BR" i="1" dirty="0" smtClean="0"/>
+                            <a:rPr lang="pt-BR" i="1" dirty="0"/>
                             <a:t>4</a:t>
                           </a:r>
                           <a:endParaRPr lang="en-US" i="1" dirty="0"/>
@@ -30161,10 +29995,10 @@
                           <a:headEnd type="none" w="med" len="med"/>
                           <a:tailEnd type="none" w="med" len="med"/>
                         </a:lnT>
-                        <a:blipFill rotWithShape="1">
+                        <a:blipFill>
                           <a:blip r:embed="rId3"/>
                           <a:stretch>
-                            <a:fillRect l="-152267" t="-180328" r="-138933" b="-224590"/>
+                            <a:fillRect l="-152533" t="-180328" r="-138933" b="-224590"/>
                           </a:stretch>
                         </a:blipFill>
                       </a:tcPr>
@@ -30187,10 +30021,10 @@
                           <a:headEnd type="none" w="med" len="med"/>
                           <a:tailEnd type="none" w="med" len="med"/>
                         </a:lnT>
-                        <a:blipFill rotWithShape="1">
+                        <a:blipFill>
                           <a:blip r:embed="rId3"/>
                           <a:stretch>
-                            <a:fillRect l="-319595" t="-180328" r="-76014" b="-224590"/>
+                            <a:fillRect l="-321017" t="-180328" r="-76610" b="-224590"/>
                           </a:stretch>
                         </a:blipFill>
                       </a:tcPr>
@@ -30213,14 +30047,19 @@
                           <a:headEnd type="none" w="med" len="med"/>
                           <a:tailEnd type="none" w="med" len="med"/>
                         </a:lnT>
-                        <a:blipFill rotWithShape="1">
+                        <a:blipFill>
                           <a:blip r:embed="rId3"/>
                           <a:stretch>
-                            <a:fillRect l="-554464" t="-180328" r="-446" b="-224590"/>
+                            <a:fillRect l="-552000" t="-180328" r="-444" b="-224590"/>
                           </a:stretch>
                         </a:blipFill>
                       </a:tcPr>
                     </a:tc>
+                    <a:extLst>
+                      <a:ext uri="{0D108BD9-81ED-4DB2-BD59-A6C34878D82A}">
+                        <a16:rowId xmlns:a16="http://schemas.microsoft.com/office/drawing/2014/main" val="10001"/>
+                      </a:ext>
+                    </a:extLst>
                   </a:tr>
                   <a:tr h="370840">
                     <a:tc>
@@ -30229,7 +30068,7 @@
                         <a:lstStyle/>
                         <a:p>
                           <a:r>
-                            <a:rPr lang="pt-BR" dirty="0" smtClean="0"/>
+                            <a:rPr lang="pt-BR" dirty="0"/>
                             <a:t>Resíduo</a:t>
                           </a:r>
                           <a:endParaRPr lang="en-US" dirty="0"/>
@@ -30254,7 +30093,7 @@
                         <a:p>
                           <a:pPr algn="ctr"/>
                           <a:r>
-                            <a:rPr lang="pt-BR" i="1" dirty="0" smtClean="0"/>
+                            <a:rPr lang="pt-BR" i="1" dirty="0"/>
                             <a:t>20</a:t>
                           </a:r>
                           <a:endParaRPr lang="en-US" i="1" dirty="0"/>
@@ -30290,10 +30129,10 @@
                           <a:headEnd type="none" w="med" len="med"/>
                           <a:tailEnd type="none" w="med" len="med"/>
                         </a:lnB>
-                        <a:blipFill rotWithShape="1">
+                        <a:blipFill>
                           <a:blip r:embed="rId3"/>
                           <a:stretch>
-                            <a:fillRect l="-152267" t="-280328" r="-138933" b="-124590"/>
+                            <a:fillRect l="-152533" t="-280328" r="-138933" b="-124590"/>
                           </a:stretch>
                         </a:blipFill>
                       </a:tcPr>
@@ -30316,10 +30155,10 @@
                           <a:headEnd type="none" w="med" len="med"/>
                           <a:tailEnd type="none" w="med" len="med"/>
                         </a:lnB>
-                        <a:blipFill rotWithShape="1">
+                        <a:blipFill>
                           <a:blip r:embed="rId3"/>
                           <a:stretch>
-                            <a:fillRect l="-319595" t="-280328" r="-76014" b="-124590"/>
+                            <a:fillRect l="-321017" t="-280328" r="-76610" b="-124590"/>
                           </a:stretch>
                         </a:blipFill>
                       </a:tcPr>
@@ -30331,7 +30170,7 @@
                         <a:p>
                           <a:pPr algn="ctr"/>
                           <a:r>
-                            <a:rPr lang="pt-BR" dirty="0" smtClean="0"/>
+                            <a:rPr lang="pt-BR" dirty="0"/>
                             <a:t>-</a:t>
                           </a:r>
                           <a:endParaRPr lang="en-US" dirty="0"/>
@@ -30349,6 +30188,11 @@
                         </a:lnB>
                       </a:tcPr>
                     </a:tc>
+                    <a:extLst>
+                      <a:ext uri="{0D108BD9-81ED-4DB2-BD59-A6C34878D82A}">
+                        <a16:rowId xmlns:a16="http://schemas.microsoft.com/office/drawing/2014/main" val="10002"/>
+                      </a:ext>
+                    </a:extLst>
                   </a:tr>
                   <a:tr h="370840">
                     <a:tc>
@@ -30357,7 +30201,7 @@
                         <a:lstStyle/>
                         <a:p>
                           <a:r>
-                            <a:rPr lang="pt-BR" dirty="0" smtClean="0"/>
+                            <a:rPr lang="pt-BR" dirty="0"/>
                             <a:t>Total</a:t>
                           </a:r>
                           <a:endParaRPr lang="en-US" dirty="0"/>
@@ -30391,7 +30235,7 @@
                         <a:p>
                           <a:pPr algn="ctr"/>
                           <a:r>
-                            <a:rPr lang="pt-BR" b="0" i="1" dirty="0" smtClean="0"/>
+                            <a:rPr lang="pt-BR" b="0" i="1" dirty="0"/>
                             <a:t>24</a:t>
                           </a:r>
                           <a:endParaRPr lang="en-US" b="0" i="1" dirty="0"/>
@@ -30445,10 +30289,10 @@
                           <a:headEnd type="none" w="med" len="med"/>
                           <a:tailEnd type="none" w="med" len="med"/>
                         </a:lnB>
-                        <a:blipFill rotWithShape="1">
+                        <a:blipFill>
                           <a:blip r:embed="rId3"/>
                           <a:stretch>
-                            <a:fillRect l="-152267" t="-380328" r="-138933" b="-24590"/>
+                            <a:fillRect l="-152533" t="-380328" r="-138933" b="-24590"/>
                           </a:stretch>
                         </a:blipFill>
                       </a:tcPr>
@@ -30460,7 +30304,7 @@
                         <a:p>
                           <a:pPr algn="ctr"/>
                           <a:r>
-                            <a:rPr lang="pt-BR" dirty="0" smtClean="0"/>
+                            <a:rPr lang="pt-BR" dirty="0"/>
                             <a:t>-</a:t>
                           </a:r>
                           <a:endParaRPr lang="en-US" dirty="0"/>
@@ -30494,7 +30338,7 @@
                         <a:p>
                           <a:pPr algn="ctr"/>
                           <a:r>
-                            <a:rPr lang="pt-BR" dirty="0" smtClean="0"/>
+                            <a:rPr lang="pt-BR" dirty="0"/>
                             <a:t>-</a:t>
                           </a:r>
                           <a:endParaRPr lang="en-US" dirty="0"/>
@@ -30521,6 +30365,11 @@
                         </a:lnB>
                       </a:tcPr>
                     </a:tc>
+                    <a:extLst>
+                      <a:ext uri="{0D108BD9-81ED-4DB2-BD59-A6C34878D82A}">
+                        <a16:rowId xmlns:a16="http://schemas.microsoft.com/office/drawing/2014/main" val="10003"/>
+                      </a:ext>
+                    </a:extLst>
                   </a:tr>
                 </a:tbl>
               </a:graphicData>
@@ -30553,7 +30402,7 @@
             <a:pPr algn="just"/>
             <a:r>
               <a:rPr lang="pt-BR" sz="2800" dirty="0"/>
-              <a:t>Conclusão:  Como o valor calculado foi maior que o tabelado ao nível de 1% de significância, o teste foi significativo. Sendo assim, concluímos que os cultivares testados (pelo menos dois) possuem efeitos diferentes sobre a produtividade de mandioca.</a:t>
+              <a:t>Conclusão:  Como o valor calculado foi maior que o tabelado ao nível de 5% de significância, o teste foi significativo. Sendo assim, concluímos que os cultivares testados (pelo menos dois) possuem efeitos diferentes sobre a produtividade de mandioca.</a:t>
             </a:r>
           </a:p>
         </p:txBody>
@@ -31105,8 +30954,8 @@
           </p:sp>
         </mc:Fallback>
       </mc:AlternateContent>
-      <mc:AlternateContent xmlns:mc="http://schemas.openxmlformats.org/markup-compatibility/2006">
-        <mc:Choice xmlns:a14="http://schemas.microsoft.com/office/drawing/2010/main" Requires="a14">
+      <mc:AlternateContent xmlns:mc="http://schemas.openxmlformats.org/markup-compatibility/2006" xmlns:a14="http://schemas.microsoft.com/office/drawing/2010/main">
+        <mc:Choice Requires="a14">
           <p:sp>
             <p:nvSpPr>
               <p:cNvPr id="6" name="CaixaDeTexto 5"/>
@@ -31294,7 +31143,7 @@
             </p:txBody>
           </p:sp>
         </mc:Choice>
-        <mc:Fallback>
+        <mc:Fallback xmlns="">
           <p:sp>
             <p:nvSpPr>
               <p:cNvPr id="6" name="CaixaDeTexto 5"/>
